--- a/A16專題期末報告.pptx
+++ b/A16專題期末報告.pptx
@@ -5,7 +5,7 @@
     <p:sldMasterId id="2147483648" r:id="rId1"/>
   </p:sldMasterIdLst>
   <p:notesMasterIdLst>
-    <p:notesMasterId r:id="rId14"/>
+    <p:notesMasterId r:id="rId15"/>
   </p:notesMasterIdLst>
   <p:sldIdLst>
     <p:sldId id="256" r:id="rId2"/>
@@ -13,36 +13,37 @@
     <p:sldId id="269" r:id="rId4"/>
     <p:sldId id="264" r:id="rId5"/>
     <p:sldId id="268" r:id="rId6"/>
-    <p:sldId id="265" r:id="rId7"/>
-    <p:sldId id="271" r:id="rId8"/>
-    <p:sldId id="266" r:id="rId9"/>
-    <p:sldId id="272" r:id="rId10"/>
-    <p:sldId id="270" r:id="rId11"/>
-    <p:sldId id="260" r:id="rId12"/>
-    <p:sldId id="267" r:id="rId13"/>
+    <p:sldId id="273" r:id="rId7"/>
+    <p:sldId id="265" r:id="rId8"/>
+    <p:sldId id="271" r:id="rId9"/>
+    <p:sldId id="266" r:id="rId10"/>
+    <p:sldId id="272" r:id="rId11"/>
+    <p:sldId id="270" r:id="rId12"/>
+    <p:sldId id="260" r:id="rId13"/>
+    <p:sldId id="267" r:id="rId14"/>
   </p:sldIdLst>
   <p:sldSz cx="9144000" cy="5143500" type="screen16x9"/>
   <p:notesSz cx="6858000" cy="9144000"/>
   <p:embeddedFontLst>
     <p:embeddedFont>
       <p:font typeface="Microsoft Yahei" panose="020B0503020204020204" pitchFamily="34" charset="-122"/>
-      <p:regular r:id="rId15"/>
-      <p:bold r:id="rId16"/>
+      <p:regular r:id="rId16"/>
+      <p:bold r:id="rId17"/>
     </p:embeddedFont>
     <p:embeddedFont>
       <p:font typeface="Arial Black" panose="020B0A04020102020204" pitchFamily="34" charset="0"/>
-      <p:bold r:id="rId17"/>
+      <p:bold r:id="rId18"/>
     </p:embeddedFont>
     <p:embeddedFont>
       <p:font typeface="宋体" panose="02010600030101010101" pitchFamily="2" charset="-122"/>
-      <p:regular r:id="rId18"/>
+      <p:regular r:id="rId19"/>
     </p:embeddedFont>
     <p:embeddedFont>
       <p:font typeface="Calibri" panose="020F0502020204030204" pitchFamily="34" charset="0"/>
-      <p:regular r:id="rId19"/>
-      <p:bold r:id="rId20"/>
-      <p:italic r:id="rId21"/>
-      <p:boldItalic r:id="rId22"/>
+      <p:regular r:id="rId20"/>
+      <p:bold r:id="rId21"/>
+      <p:italic r:id="rId22"/>
+      <p:boldItalic r:id="rId23"/>
     </p:embeddedFont>
   </p:embeddedFontLst>
   <p:defaultTextStyle>
@@ -276,7 +277,7 @@
   </p:defaultTextStyle>
   <p:extLst>
     <p:ext uri="{EFAFB233-063F-42B5-8137-9DF3F51BA10A}">
-      <p15:sldGuideLst xmlns:ahyp="http://schemas.microsoft.com/office/drawing/2018/hyperlinkcolor" xmlns:p15="http://schemas.microsoft.com/office/powerpoint/2012/main" xmlns:p14="http://schemas.microsoft.com/office/powerpoint/2010/main" xmlns:com="http://schemas.openxmlformats.org/drawingml/2006/compatibility" xmlns:pvml="urn:schemas-microsoft-com:office:powerpoint" xmlns:v="urn:schemas-microsoft-com:vml" xmlns:o="urn:schemas-microsoft-com:office:office" xmlns:dgm="http://schemas.openxmlformats.org/drawingml/2006/diagram" xmlns:c="http://schemas.openxmlformats.org/drawingml/2006/chart" xmlns:mv="urn:schemas-microsoft-com:mac:vml" xmlns:mc="http://schemas.openxmlformats.org/markup-compatibility/2006" xmlns="">
+      <p15:sldGuideLst xmlns="" xmlns:mc="http://schemas.openxmlformats.org/markup-compatibility/2006" xmlns:mv="urn:schemas-microsoft-com:mac:vml" xmlns:c="http://schemas.openxmlformats.org/drawingml/2006/chart" xmlns:dgm="http://schemas.openxmlformats.org/drawingml/2006/diagram" xmlns:o="urn:schemas-microsoft-com:office:office" xmlns:v="urn:schemas-microsoft-com:vml" xmlns:pvml="urn:schemas-microsoft-com:office:powerpoint" xmlns:com="http://schemas.openxmlformats.org/drawingml/2006/compatibility" xmlns:p14="http://schemas.microsoft.com/office/powerpoint/2010/main" xmlns:p15="http://schemas.microsoft.com/office/powerpoint/2012/main" xmlns:ahyp="http://schemas.microsoft.com/office/drawing/2018/hyperlinkcolor">
         <p15:guide id="1" orient="horz" pos="2160">
           <p15:clr>
             <a:srgbClr val="A4A3A4"/>
@@ -320,7 +321,7 @@
       </p15:sldGuideLst>
     </p:ext>
     <p:ext uri="http://customooxmlschemas.google.com/">
-      <go:slidesCustomData xmlns:go="http://customooxmlschemas.google.com/" xmlns:ahyp="http://schemas.microsoft.com/office/drawing/2018/hyperlinkcolor" xmlns:p15="http://schemas.microsoft.com/office/powerpoint/2012/main" xmlns:p14="http://schemas.microsoft.com/office/powerpoint/2010/main" xmlns:com="http://schemas.openxmlformats.org/drawingml/2006/compatibility" xmlns:pvml="urn:schemas-microsoft-com:office:powerpoint" xmlns:v="urn:schemas-microsoft-com:vml" xmlns:o="urn:schemas-microsoft-com:office:office" xmlns:dgm="http://schemas.openxmlformats.org/drawingml/2006/diagram" xmlns:c="http://schemas.openxmlformats.org/drawingml/2006/chart" xmlns:mv="urn:schemas-microsoft-com:mac:vml" xmlns:mc="http://schemas.openxmlformats.org/markup-compatibility/2006" xmlns="" r:id="rId23" roundtripDataSignature="AMtx7mjScJUuEI+pi60fOCTGhidUP8NReQ=="/>
+      <go:slidesCustomData xmlns="" xmlns:mc="http://schemas.openxmlformats.org/markup-compatibility/2006" xmlns:mv="urn:schemas-microsoft-com:mac:vml" xmlns:c="http://schemas.openxmlformats.org/drawingml/2006/chart" xmlns:dgm="http://schemas.openxmlformats.org/drawingml/2006/diagram" xmlns:o="urn:schemas-microsoft-com:office:office" xmlns:v="urn:schemas-microsoft-com:vml" xmlns:pvml="urn:schemas-microsoft-com:office:powerpoint" xmlns:com="http://schemas.openxmlformats.org/drawingml/2006/compatibility" xmlns:p14="http://schemas.microsoft.com/office/powerpoint/2010/main" xmlns:p15="http://schemas.microsoft.com/office/powerpoint/2012/main" xmlns:ahyp="http://schemas.microsoft.com/office/drawing/2018/hyperlinkcolor" xmlns:go="http://customooxmlschemas.google.com/" r:id="rId24" roundtripDataSignature="AMtx7mjScJUuEI+pi60fOCTGhidUP8NReQ=="/>
     </p:ext>
   </p:extLst>
 </p:presentation>
@@ -2166,7 +2167,7 @@
             </a:pPr>
             <a:fld id="{00000000-1234-1234-1234-123412341234}" type="slidenum">
               <a:rPr lang="en-US" altLang="zh-TW"/>
-              <a:t>6</a:t>
+              <a:t>7</a:t>
             </a:fld>
             <a:endParaRPr/>
           </a:p>
@@ -2330,7 +2331,7 @@
             </a:pPr>
             <a:fld id="{00000000-1234-1234-1234-123412341234}" type="slidenum">
               <a:rPr lang="en-US" altLang="zh-TW"/>
-              <a:t>7</a:t>
+              <a:t>8</a:t>
             </a:fld>
             <a:endParaRPr/>
           </a:p>
@@ -2498,7 +2499,7 @@
             </a:pPr>
             <a:fld id="{00000000-1234-1234-1234-123412341234}" type="slidenum">
               <a:rPr lang="en-US" altLang="zh-TW"/>
-              <a:t>8</a:t>
+              <a:t>9</a:t>
             </a:fld>
             <a:endParaRPr/>
           </a:p>
@@ -2666,7 +2667,7 @@
             </a:pPr>
             <a:fld id="{00000000-1234-1234-1234-123412341234}" type="slidenum">
               <a:rPr lang="en-US" altLang="zh-TW"/>
-              <a:t>9</a:t>
+              <a:t>10</a:t>
             </a:fld>
             <a:endParaRPr/>
           </a:p>
@@ -2830,7 +2831,7 @@
             </a:pPr>
             <a:fld id="{00000000-1234-1234-1234-123412341234}" type="slidenum">
               <a:rPr lang="en-US" altLang="zh-TW"/>
-              <a:t>11</a:t>
+              <a:t>12</a:t>
             </a:fld>
             <a:endParaRPr/>
           </a:p>
@@ -2994,7 +2995,7 @@
             </a:pPr>
             <a:fld id="{00000000-1234-1234-1234-123412341234}" type="slidenum">
               <a:rPr lang="en-US" altLang="zh-TW"/>
-              <a:t>12</a:t>
+              <a:t>13</a:t>
             </a:fld>
             <a:endParaRPr/>
           </a:p>
@@ -3044,7 +3045,7 @@
         <p:fade/>
       </p:transition>
     </mc:Choice>
-    <mc:Fallback xmlns:ahyp="http://schemas.microsoft.com/office/drawing/2018/hyperlinkcolor" xmlns:p15="http://schemas.microsoft.com/office/powerpoint/2012/main" xmlns:com="http://schemas.openxmlformats.org/drawingml/2006/compatibility" xmlns:pvml="urn:schemas-microsoft-com:office:powerpoint" xmlns:v="urn:schemas-microsoft-com:vml" xmlns:o="urn:schemas-microsoft-com:office:office" xmlns:dgm="http://schemas.openxmlformats.org/drawingml/2006/diagram" xmlns:c="http://schemas.openxmlformats.org/drawingml/2006/chart" xmlns:mv="urn:schemas-microsoft-com:mac:vml" xmlns="">
+    <mc:Fallback xmlns="" xmlns:mv="urn:schemas-microsoft-com:mac:vml" xmlns:c="http://schemas.openxmlformats.org/drawingml/2006/chart" xmlns:dgm="http://schemas.openxmlformats.org/drawingml/2006/diagram" xmlns:o="urn:schemas-microsoft-com:office:office" xmlns:v="urn:schemas-microsoft-com:vml" xmlns:pvml="urn:schemas-microsoft-com:office:powerpoint" xmlns:com="http://schemas.openxmlformats.org/drawingml/2006/compatibility" xmlns:p15="http://schemas.microsoft.com/office/powerpoint/2012/main" xmlns:ahyp="http://schemas.microsoft.com/office/drawing/2018/hyperlinkcolor">
       <p:transition spd="slow">
         <p:fade/>
       </p:transition>
@@ -3171,7 +3172,7 @@
         <p:fade/>
       </p:transition>
     </mc:Choice>
-    <mc:Fallback xmlns:ahyp="http://schemas.microsoft.com/office/drawing/2018/hyperlinkcolor" xmlns:p15="http://schemas.microsoft.com/office/powerpoint/2012/main" xmlns:com="http://schemas.openxmlformats.org/drawingml/2006/compatibility" xmlns:pvml="urn:schemas-microsoft-com:office:powerpoint" xmlns:v="urn:schemas-microsoft-com:vml" xmlns:o="urn:schemas-microsoft-com:office:office" xmlns:dgm="http://schemas.openxmlformats.org/drawingml/2006/diagram" xmlns:c="http://schemas.openxmlformats.org/drawingml/2006/chart" xmlns:mv="urn:schemas-microsoft-com:mac:vml" xmlns="">
+    <mc:Fallback xmlns="" xmlns:mv="urn:schemas-microsoft-com:mac:vml" xmlns:c="http://schemas.openxmlformats.org/drawingml/2006/chart" xmlns:dgm="http://schemas.openxmlformats.org/drawingml/2006/diagram" xmlns:o="urn:schemas-microsoft-com:office:office" xmlns:v="urn:schemas-microsoft-com:vml" xmlns:pvml="urn:schemas-microsoft-com:office:powerpoint" xmlns:com="http://schemas.openxmlformats.org/drawingml/2006/compatibility" xmlns:p15="http://schemas.microsoft.com/office/powerpoint/2012/main" xmlns:ahyp="http://schemas.microsoft.com/office/drawing/2018/hyperlinkcolor">
       <p:transition spd="slow">
         <p:fade/>
       </p:transition>
@@ -3216,7 +3217,7 @@
         <p:fade/>
       </p:transition>
     </mc:Choice>
-    <mc:Fallback xmlns:ahyp="http://schemas.microsoft.com/office/drawing/2018/hyperlinkcolor" xmlns:p15="http://schemas.microsoft.com/office/powerpoint/2012/main" xmlns:com="http://schemas.openxmlformats.org/drawingml/2006/compatibility" xmlns:pvml="urn:schemas-microsoft-com:office:powerpoint" xmlns:v="urn:schemas-microsoft-com:vml" xmlns:o="urn:schemas-microsoft-com:office:office" xmlns:dgm="http://schemas.openxmlformats.org/drawingml/2006/diagram" xmlns:c="http://schemas.openxmlformats.org/drawingml/2006/chart" xmlns:mv="urn:schemas-microsoft-com:mac:vml" xmlns="">
+    <mc:Fallback xmlns="" xmlns:mv="urn:schemas-microsoft-com:mac:vml" xmlns:c="http://schemas.openxmlformats.org/drawingml/2006/chart" xmlns:dgm="http://schemas.openxmlformats.org/drawingml/2006/diagram" xmlns:o="urn:schemas-microsoft-com:office:office" xmlns:v="urn:schemas-microsoft-com:vml" xmlns:pvml="urn:schemas-microsoft-com:office:powerpoint" xmlns:com="http://schemas.openxmlformats.org/drawingml/2006/compatibility" xmlns:p15="http://schemas.microsoft.com/office/powerpoint/2012/main" xmlns:ahyp="http://schemas.microsoft.com/office/drawing/2018/hyperlinkcolor">
       <p:transition spd="slow">
         <p:fade/>
       </p:transition>
@@ -3264,7 +3265,7 @@
         <p:fade/>
       </p:transition>
     </mc:Choice>
-    <mc:Fallback xmlns:ahyp="http://schemas.microsoft.com/office/drawing/2018/hyperlinkcolor" xmlns:p15="http://schemas.microsoft.com/office/powerpoint/2012/main" xmlns:com="http://schemas.openxmlformats.org/drawingml/2006/compatibility" xmlns:pvml="urn:schemas-microsoft-com:office:powerpoint" xmlns:v="urn:schemas-microsoft-com:vml" xmlns:o="urn:schemas-microsoft-com:office:office" xmlns:dgm="http://schemas.openxmlformats.org/drawingml/2006/diagram" xmlns:c="http://schemas.openxmlformats.org/drawingml/2006/chart" xmlns:mv="urn:schemas-microsoft-com:mac:vml" xmlns="">
+    <mc:Fallback xmlns="" xmlns:mv="urn:schemas-microsoft-com:mac:vml" xmlns:c="http://schemas.openxmlformats.org/drawingml/2006/chart" xmlns:dgm="http://schemas.openxmlformats.org/drawingml/2006/diagram" xmlns:o="urn:schemas-microsoft-com:office:office" xmlns:v="urn:schemas-microsoft-com:vml" xmlns:pvml="urn:schemas-microsoft-com:office:powerpoint" xmlns:com="http://schemas.openxmlformats.org/drawingml/2006/compatibility" xmlns:p15="http://schemas.microsoft.com/office/powerpoint/2012/main" xmlns:ahyp="http://schemas.microsoft.com/office/drawing/2018/hyperlinkcolor">
       <p:transition spd="slow">
         <p:fade/>
       </p:transition>
@@ -4763,7 +4764,7 @@
         <p:fade/>
       </p:transition>
     </mc:Choice>
-    <mc:Fallback xmlns:ahyp="http://schemas.microsoft.com/office/drawing/2018/hyperlinkcolor" xmlns:p15="http://schemas.microsoft.com/office/powerpoint/2012/main" xmlns:com="http://schemas.openxmlformats.org/drawingml/2006/compatibility" xmlns:pvml="urn:schemas-microsoft-com:office:powerpoint" xmlns:v="urn:schemas-microsoft-com:vml" xmlns:o="urn:schemas-microsoft-com:office:office" xmlns:dgm="http://schemas.openxmlformats.org/drawingml/2006/diagram" xmlns:c="http://schemas.openxmlformats.org/drawingml/2006/chart" xmlns:mv="urn:schemas-microsoft-com:mac:vml" xmlns="">
+    <mc:Fallback xmlns="" xmlns:mv="urn:schemas-microsoft-com:mac:vml" xmlns:c="http://schemas.openxmlformats.org/drawingml/2006/chart" xmlns:dgm="http://schemas.openxmlformats.org/drawingml/2006/diagram" xmlns:o="urn:schemas-microsoft-com:office:office" xmlns:v="urn:schemas-microsoft-com:vml" xmlns:pvml="urn:schemas-microsoft-com:office:powerpoint" xmlns:com="http://schemas.openxmlformats.org/drawingml/2006/compatibility" xmlns:p15="http://schemas.microsoft.com/office/powerpoint/2012/main" xmlns:ahyp="http://schemas.microsoft.com/office/drawing/2018/hyperlinkcolor">
       <p:transition spd="slow">
         <p:fade/>
       </p:transition>
@@ -5201,6 +5202,633 @@
   <p:cSld>
     <p:spTree>
       <p:nvGrpSpPr>
+        <p:cNvPr id="1" name="Shape 243"/>
+        <p:cNvGrpSpPr/>
+        <p:nvPr/>
+      </p:nvGrpSpPr>
+      <p:grpSpPr>
+        <a:xfrm>
+          <a:off x="0" y="0"/>
+          <a:ext cx="0" cy="0"/>
+          <a:chOff x="0" y="0"/>
+          <a:chExt cx="0" cy="0"/>
+        </a:xfrm>
+      </p:grpSpPr>
+      <p:sp>
+        <p:nvSpPr>
+          <p:cNvPr id="244" name="Google Shape;244;p11"/>
+          <p:cNvSpPr/>
+          <p:nvPr/>
+        </p:nvSpPr>
+        <p:spPr>
+          <a:xfrm>
+            <a:off x="476188" y="177842"/>
+            <a:ext cx="2324162" cy="461624"/>
+          </a:xfrm>
+          <a:prstGeom prst="rect">
+            <a:avLst/>
+          </a:prstGeom>
+          <a:noFill/>
+          <a:ln>
+            <a:noFill/>
+          </a:ln>
+        </p:spPr>
+        <p:txBody>
+          <a:bodyPr spcFirstLastPara="1" wrap="square" lIns="91425" tIns="45700" rIns="91425" bIns="45700" anchor="t" anchorCtr="0">
+            <a:spAutoFit/>
+          </a:bodyPr>
+          <a:lstStyle/>
+          <a:p>
+            <a:pPr marL="0" marR="0" lvl="0" indent="0" algn="l" rtl="0">
+              <a:spcBef>
+                <a:spcPts val="0"/>
+              </a:spcBef>
+              <a:spcAft>
+                <a:spcPts val="0"/>
+              </a:spcAft>
+              <a:buClr>
+                <a:schemeClr val="accent1"/>
+              </a:buClr>
+              <a:buSzPts val="2400"/>
+              <a:buFont typeface="Arial"/>
+              <a:buNone/>
+            </a:pPr>
+            <a:r>
+              <a:rPr lang="zh-TW" altLang="en-US" sz="2400" b="1" dirty="0">
+                <a:solidFill>
+                  <a:schemeClr val="accent1"/>
+                </a:solidFill>
+                <a:latin typeface="Microsoft YaHei" panose="020B0503020204020204" pitchFamily="34" charset="-122"/>
+                <a:ea typeface="Microsoft YaHei" panose="020B0503020204020204" pitchFamily="34" charset="-122"/>
+              </a:rPr>
+              <a:t>小型</a:t>
+            </a:r>
+            <a:r>
+              <a:rPr lang="zh-TW" altLang="en-US" sz="2400" b="1" dirty="0" smtClean="0">
+                <a:solidFill>
+                  <a:schemeClr val="accent1"/>
+                </a:solidFill>
+                <a:latin typeface="Microsoft YaHei" panose="020B0503020204020204" pitchFamily="34" charset="-122"/>
+                <a:ea typeface="Microsoft YaHei" panose="020B0503020204020204" pitchFamily="34" charset="-122"/>
+              </a:rPr>
+              <a:t>電梯</a:t>
+            </a:r>
+            <a:endParaRPr sz="2400" b="1" dirty="0">
+              <a:solidFill>
+                <a:schemeClr val="accent1"/>
+              </a:solidFill>
+              <a:latin typeface="Microsoft YaHei" panose="020B0503020204020204" pitchFamily="34" charset="-122"/>
+              <a:ea typeface="Microsoft YaHei" panose="020B0503020204020204" pitchFamily="34" charset="-122"/>
+            </a:endParaRPr>
+          </a:p>
+        </p:txBody>
+      </p:sp>
+      <p:sp>
+        <p:nvSpPr>
+          <p:cNvPr id="245" name="Google Shape;245;p11"/>
+          <p:cNvSpPr/>
+          <p:nvPr/>
+        </p:nvSpPr>
+        <p:spPr>
+          <a:xfrm rot="5400000">
+            <a:off x="-39787" y="157290"/>
+            <a:ext cx="581159" cy="501585"/>
+          </a:xfrm>
+          <a:prstGeom prst="triangle">
+            <a:avLst>
+              <a:gd name="adj" fmla="val 50000"/>
+            </a:avLst>
+          </a:prstGeom>
+          <a:solidFill>
+            <a:schemeClr val="accent1"/>
+          </a:solidFill>
+          <a:ln>
+            <a:noFill/>
+          </a:ln>
+        </p:spPr>
+        <p:txBody>
+          <a:bodyPr spcFirstLastPara="1" wrap="square" lIns="91425" tIns="45700" rIns="91425" bIns="45700" anchor="ctr" anchorCtr="0">
+            <a:noAutofit/>
+          </a:bodyPr>
+          <a:lstStyle/>
+          <a:p>
+            <a:pPr marL="0" marR="0" lvl="0" indent="0" algn="ctr" rtl="0">
+              <a:spcBef>
+                <a:spcPts val="0"/>
+              </a:spcBef>
+              <a:spcAft>
+                <a:spcPts val="0"/>
+              </a:spcAft>
+              <a:buClr>
+                <a:schemeClr val="dk1"/>
+              </a:buClr>
+              <a:buSzPts val="1800"/>
+              <a:buFont typeface="Arial"/>
+              <a:buNone/>
+            </a:pPr>
+            <a:endParaRPr sz="1800">
+              <a:solidFill>
+                <a:srgbClr val="FFFFFF"/>
+              </a:solidFill>
+              <a:latin typeface="Microsoft Yahei"/>
+              <a:ea typeface="Microsoft Yahei"/>
+              <a:cs typeface="Microsoft Yahei"/>
+              <a:sym typeface="Microsoft Yahei"/>
+            </a:endParaRPr>
+          </a:p>
+        </p:txBody>
+      </p:sp>
+      <p:sp>
+        <p:nvSpPr>
+          <p:cNvPr id="3" name="文字方塊 2"/>
+          <p:cNvSpPr txBox="1"/>
+          <p:nvPr/>
+        </p:nvSpPr>
+        <p:spPr>
+          <a:xfrm>
+            <a:off x="501584" y="698662"/>
+            <a:ext cx="5823015" cy="3477875"/>
+          </a:xfrm>
+          <a:prstGeom prst="rect">
+            <a:avLst/>
+          </a:prstGeom>
+          <a:noFill/>
+        </p:spPr>
+        <p:txBody>
+          <a:bodyPr wrap="square" rtlCol="0">
+            <a:spAutoFit/>
+          </a:bodyPr>
+          <a:lstStyle/>
+          <a:p>
+            <a:r>
+              <a:rPr lang="zh-TW" altLang="zh-TW" sz="2000" kern="1200" dirty="0">
+                <a:latin typeface="Microsoft YaHei" panose="020B0503020204020204" pitchFamily="34" charset="-122"/>
+                <a:ea typeface="Microsoft YaHei" panose="020B0503020204020204" pitchFamily="34" charset="-122"/>
+              </a:rPr>
+              <a:t>預計會使用的材料如下</a:t>
+            </a:r>
+            <a:r>
+              <a:rPr lang="zh-TW" altLang="zh-TW" sz="2000" kern="1200" dirty="0" smtClean="0">
+                <a:latin typeface="Microsoft YaHei" panose="020B0503020204020204" pitchFamily="34" charset="-122"/>
+                <a:ea typeface="Microsoft YaHei" panose="020B0503020204020204" pitchFamily="34" charset="-122"/>
+              </a:rPr>
+              <a:t>：</a:t>
+            </a:r>
+            <a:endParaRPr lang="en-US" altLang="zh-TW" sz="2000" kern="1200" dirty="0" smtClean="0">
+              <a:latin typeface="Microsoft YaHei" panose="020B0503020204020204" pitchFamily="34" charset="-122"/>
+              <a:ea typeface="Microsoft YaHei" panose="020B0503020204020204" pitchFamily="34" charset="-122"/>
+            </a:endParaRPr>
+          </a:p>
+          <a:p>
+            <a:endParaRPr lang="zh-TW" altLang="zh-TW" sz="2000" kern="1200" dirty="0">
+              <a:latin typeface="Microsoft YaHei" panose="020B0503020204020204" pitchFamily="34" charset="-122"/>
+              <a:ea typeface="Microsoft YaHei" panose="020B0503020204020204" pitchFamily="34" charset="-122"/>
+            </a:endParaRPr>
+          </a:p>
+          <a:p>
+            <a:pPr lvl="1"/>
+            <a:r>
+              <a:rPr lang="zh-TW" altLang="en-US" sz="2000" kern="1200" dirty="0" smtClean="0">
+                <a:latin typeface="Microsoft YaHei" panose="020B0503020204020204" pitchFamily="34" charset="-122"/>
+                <a:ea typeface="Microsoft YaHei" panose="020B0503020204020204" pitchFamily="34" charset="-122"/>
+              </a:rPr>
+              <a:t>  </a:t>
+            </a:r>
+            <a:r>
+              <a:rPr lang="en-US" altLang="zh-TW" sz="2000" kern="1200" dirty="0" smtClean="0">
+                <a:latin typeface="Microsoft YaHei" panose="020B0503020204020204" pitchFamily="34" charset="-122"/>
+                <a:ea typeface="Microsoft YaHei" panose="020B0503020204020204" pitchFamily="34" charset="-122"/>
+              </a:rPr>
+              <a:t>Arduino </a:t>
+            </a:r>
+            <a:r>
+              <a:rPr lang="en-US" altLang="zh-TW" sz="2000" kern="1200" dirty="0">
+                <a:latin typeface="Microsoft YaHei" panose="020B0503020204020204" pitchFamily="34" charset="-122"/>
+                <a:ea typeface="Microsoft YaHei" panose="020B0503020204020204" pitchFamily="34" charset="-122"/>
+              </a:rPr>
+              <a:t>Uno R3</a:t>
+            </a:r>
+            <a:r>
+              <a:rPr lang="zh-TW" altLang="zh-TW" sz="2000" kern="1200" dirty="0">
+                <a:latin typeface="Microsoft YaHei" panose="020B0503020204020204" pitchFamily="34" charset="-122"/>
+                <a:ea typeface="Microsoft YaHei" panose="020B0503020204020204" pitchFamily="34" charset="-122"/>
+              </a:rPr>
+              <a:t>　一塊</a:t>
+            </a:r>
+          </a:p>
+          <a:p>
+            <a:pPr lvl="1"/>
+            <a:r>
+              <a:rPr lang="zh-TW" altLang="en-US" sz="2000" kern="1200" dirty="0" smtClean="0">
+                <a:latin typeface="Microsoft YaHei" panose="020B0503020204020204" pitchFamily="34" charset="-122"/>
+                <a:ea typeface="Microsoft YaHei" panose="020B0503020204020204" pitchFamily="34" charset="-122"/>
+              </a:rPr>
+              <a:t>  </a:t>
+            </a:r>
+            <a:r>
+              <a:rPr lang="en-US" altLang="zh-TW" sz="2000" kern="1200" dirty="0" smtClean="0">
+                <a:latin typeface="Microsoft YaHei" panose="020B0503020204020204" pitchFamily="34" charset="-122"/>
+                <a:ea typeface="Microsoft YaHei" panose="020B0503020204020204" pitchFamily="34" charset="-122"/>
+              </a:rPr>
+              <a:t>LCD </a:t>
+            </a:r>
+            <a:r>
+              <a:rPr lang="en-US" altLang="zh-TW" sz="2000" kern="1200" dirty="0">
+                <a:latin typeface="Microsoft YaHei" panose="020B0503020204020204" pitchFamily="34" charset="-122"/>
+                <a:ea typeface="Microsoft YaHei" panose="020B0503020204020204" pitchFamily="34" charset="-122"/>
+              </a:rPr>
+              <a:t>16x2</a:t>
+            </a:r>
+            <a:r>
+              <a:rPr lang="zh-TW" altLang="zh-TW" sz="2000" kern="1200" dirty="0">
+                <a:latin typeface="Microsoft YaHei" panose="020B0503020204020204" pitchFamily="34" charset="-122"/>
+                <a:ea typeface="Microsoft YaHei" panose="020B0503020204020204" pitchFamily="34" charset="-122"/>
+              </a:rPr>
+              <a:t>顯示板 一塊</a:t>
+            </a:r>
+          </a:p>
+          <a:p>
+            <a:pPr lvl="1"/>
+            <a:r>
+              <a:rPr lang="zh-TW" altLang="en-US" sz="2000" kern="1200" dirty="0" smtClean="0">
+                <a:latin typeface="Microsoft YaHei" panose="020B0503020204020204" pitchFamily="34" charset="-122"/>
+                <a:ea typeface="Microsoft YaHei" panose="020B0503020204020204" pitchFamily="34" charset="-122"/>
+              </a:rPr>
+              <a:t>  </a:t>
+            </a:r>
+            <a:r>
+              <a:rPr lang="zh-TW" altLang="zh-TW" sz="2000" kern="1200" dirty="0" smtClean="0">
+                <a:latin typeface="Microsoft YaHei" panose="020B0503020204020204" pitchFamily="34" charset="-122"/>
+                <a:ea typeface="Microsoft YaHei" panose="020B0503020204020204" pitchFamily="34" charset="-122"/>
+              </a:rPr>
+              <a:t>直流</a:t>
+            </a:r>
+            <a:r>
+              <a:rPr lang="zh-TW" altLang="zh-TW" sz="2000" kern="1200" dirty="0">
+                <a:latin typeface="Microsoft YaHei" panose="020B0503020204020204" pitchFamily="34" charset="-122"/>
+                <a:ea typeface="Microsoft YaHei" panose="020B0503020204020204" pitchFamily="34" charset="-122"/>
+              </a:rPr>
+              <a:t>馬達 一顆</a:t>
+            </a:r>
+          </a:p>
+          <a:p>
+            <a:pPr lvl="1"/>
+            <a:r>
+              <a:rPr lang="zh-TW" altLang="en-US" sz="2000" kern="1200" dirty="0" smtClean="0">
+                <a:latin typeface="Microsoft YaHei" panose="020B0503020204020204" pitchFamily="34" charset="-122"/>
+                <a:ea typeface="Microsoft YaHei" panose="020B0503020204020204" pitchFamily="34" charset="-122"/>
+              </a:rPr>
+              <a:t>  </a:t>
+            </a:r>
+            <a:r>
+              <a:rPr lang="zh-TW" altLang="zh-TW" sz="2000" kern="1200" dirty="0" smtClean="0">
+                <a:latin typeface="Microsoft YaHei" panose="020B0503020204020204" pitchFamily="34" charset="-122"/>
+                <a:ea typeface="Microsoft YaHei" panose="020B0503020204020204" pitchFamily="34" charset="-122"/>
+              </a:rPr>
+              <a:t>電路板 </a:t>
+            </a:r>
+            <a:r>
+              <a:rPr lang="zh-TW" altLang="zh-TW" sz="2000" kern="1200" dirty="0">
+                <a:latin typeface="Microsoft YaHei" panose="020B0503020204020204" pitchFamily="34" charset="-122"/>
+                <a:ea typeface="Microsoft YaHei" panose="020B0503020204020204" pitchFamily="34" charset="-122"/>
+              </a:rPr>
+              <a:t>兩塊</a:t>
+            </a:r>
+          </a:p>
+          <a:p>
+            <a:pPr lvl="1"/>
+            <a:r>
+              <a:rPr lang="zh-TW" altLang="en-US" sz="2000" kern="1200" dirty="0" smtClean="0">
+                <a:latin typeface="Microsoft YaHei" panose="020B0503020204020204" pitchFamily="34" charset="-122"/>
+                <a:ea typeface="Microsoft YaHei" panose="020B0503020204020204" pitchFamily="34" charset="-122"/>
+              </a:rPr>
+              <a:t>  </a:t>
+            </a:r>
+            <a:r>
+              <a:rPr lang="zh-TW" altLang="zh-TW" sz="2000" kern="1200" dirty="0" smtClean="0">
+                <a:latin typeface="Microsoft YaHei" panose="020B0503020204020204" pitchFamily="34" charset="-122"/>
+                <a:ea typeface="Microsoft YaHei" panose="020B0503020204020204" pitchFamily="34" charset="-122"/>
+              </a:rPr>
+              <a:t>電位器 </a:t>
+            </a:r>
+            <a:r>
+              <a:rPr lang="zh-TW" altLang="zh-TW" sz="2000" kern="1200" dirty="0">
+                <a:latin typeface="Microsoft YaHei" panose="020B0503020204020204" pitchFamily="34" charset="-122"/>
+                <a:ea typeface="Microsoft YaHei" panose="020B0503020204020204" pitchFamily="34" charset="-122"/>
+              </a:rPr>
+              <a:t>一顆</a:t>
+            </a:r>
+          </a:p>
+          <a:p>
+            <a:pPr lvl="1"/>
+            <a:r>
+              <a:rPr lang="zh-TW" altLang="en-US" sz="2000" kern="1200" dirty="0" smtClean="0">
+                <a:latin typeface="Microsoft YaHei" panose="020B0503020204020204" pitchFamily="34" charset="-122"/>
+                <a:ea typeface="Microsoft YaHei" panose="020B0503020204020204" pitchFamily="34" charset="-122"/>
+              </a:rPr>
+              <a:t>  </a:t>
+            </a:r>
+            <a:r>
+              <a:rPr lang="zh-TW" altLang="zh-TW" sz="2000" kern="1200" dirty="0" smtClean="0">
+                <a:latin typeface="Microsoft YaHei" panose="020B0503020204020204" pitchFamily="34" charset="-122"/>
+                <a:ea typeface="Microsoft YaHei" panose="020B0503020204020204" pitchFamily="34" charset="-122"/>
+              </a:rPr>
+              <a:t>馬達</a:t>
+            </a:r>
+            <a:r>
+              <a:rPr lang="zh-TW" altLang="zh-TW" sz="2000" kern="1200" dirty="0">
+                <a:latin typeface="Microsoft YaHei" panose="020B0503020204020204" pitchFamily="34" charset="-122"/>
+                <a:ea typeface="Microsoft YaHei" panose="020B0503020204020204" pitchFamily="34" charset="-122"/>
+              </a:rPr>
+              <a:t>驅動器 一顆</a:t>
+            </a:r>
+          </a:p>
+          <a:p>
+            <a:pPr lvl="1"/>
+            <a:r>
+              <a:rPr lang="zh-TW" altLang="en-US" sz="2000" kern="1200" dirty="0" smtClean="0">
+                <a:latin typeface="Microsoft YaHei" panose="020B0503020204020204" pitchFamily="34" charset="-122"/>
+                <a:ea typeface="Microsoft YaHei" panose="020B0503020204020204" pitchFamily="34" charset="-122"/>
+              </a:rPr>
+              <a:t>  </a:t>
+            </a:r>
+            <a:r>
+              <a:rPr lang="zh-TW" altLang="zh-TW" sz="2000" kern="1200" dirty="0" smtClean="0">
+                <a:latin typeface="Microsoft YaHei" panose="020B0503020204020204" pitchFamily="34" charset="-122"/>
+                <a:ea typeface="Microsoft YaHei" panose="020B0503020204020204" pitchFamily="34" charset="-122"/>
+              </a:rPr>
+              <a:t>電阻 </a:t>
+            </a:r>
+            <a:r>
+              <a:rPr lang="zh-TW" altLang="zh-TW" sz="2000" kern="1200" dirty="0">
+                <a:latin typeface="Microsoft YaHei" panose="020B0503020204020204" pitchFamily="34" charset="-122"/>
+                <a:ea typeface="Microsoft YaHei" panose="020B0503020204020204" pitchFamily="34" charset="-122"/>
+              </a:rPr>
+              <a:t>四塊</a:t>
+            </a:r>
+          </a:p>
+          <a:p>
+            <a:pPr lvl="1"/>
+            <a:r>
+              <a:rPr lang="zh-TW" altLang="en-US" sz="2000" kern="1200" dirty="0" smtClean="0">
+                <a:latin typeface="Microsoft YaHei" panose="020B0503020204020204" pitchFamily="34" charset="-122"/>
+                <a:ea typeface="Microsoft YaHei" panose="020B0503020204020204" pitchFamily="34" charset="-122"/>
+              </a:rPr>
+              <a:t>  </a:t>
+            </a:r>
+            <a:r>
+              <a:rPr lang="zh-TW" altLang="zh-TW" sz="2000" kern="1200" dirty="0" smtClean="0">
+                <a:latin typeface="Microsoft YaHei" panose="020B0503020204020204" pitchFamily="34" charset="-122"/>
+                <a:ea typeface="Microsoft YaHei" panose="020B0503020204020204" pitchFamily="34" charset="-122"/>
+              </a:rPr>
+              <a:t>按鈕 </a:t>
+            </a:r>
+            <a:r>
+              <a:rPr lang="zh-TW" altLang="zh-TW" sz="2000" kern="1200" dirty="0">
+                <a:latin typeface="Microsoft YaHei" panose="020B0503020204020204" pitchFamily="34" charset="-122"/>
+                <a:ea typeface="Microsoft YaHei" panose="020B0503020204020204" pitchFamily="34" charset="-122"/>
+              </a:rPr>
+              <a:t>三顆</a:t>
+            </a:r>
+          </a:p>
+          <a:p>
+            <a:pPr lvl="1"/>
+            <a:r>
+              <a:rPr lang="zh-TW" altLang="en-US" sz="2000" kern="1200" dirty="0">
+                <a:latin typeface="Microsoft YaHei" panose="020B0503020204020204" pitchFamily="34" charset="-122"/>
+                <a:ea typeface="Microsoft YaHei" panose="020B0503020204020204" pitchFamily="34" charset="-122"/>
+              </a:rPr>
+              <a:t> </a:t>
+            </a:r>
+            <a:r>
+              <a:rPr lang="zh-TW" altLang="en-US" sz="2000" kern="1200" dirty="0" smtClean="0">
+                <a:latin typeface="Microsoft YaHei" panose="020B0503020204020204" pitchFamily="34" charset="-122"/>
+                <a:ea typeface="Microsoft YaHei" panose="020B0503020204020204" pitchFamily="34" charset="-122"/>
+              </a:rPr>
+              <a:t> </a:t>
+            </a:r>
+            <a:r>
+              <a:rPr lang="zh-TW" altLang="zh-TW" sz="2000" kern="1200" dirty="0" smtClean="0">
+                <a:latin typeface="Microsoft YaHei" panose="020B0503020204020204" pitchFamily="34" charset="-122"/>
+                <a:ea typeface="Microsoft YaHei" panose="020B0503020204020204" pitchFamily="34" charset="-122"/>
+              </a:rPr>
+              <a:t>電線 </a:t>
+            </a:r>
+            <a:r>
+              <a:rPr lang="zh-TW" altLang="zh-TW" sz="2000" kern="1200" dirty="0">
+                <a:latin typeface="Microsoft YaHei" panose="020B0503020204020204" pitchFamily="34" charset="-122"/>
+                <a:ea typeface="Microsoft YaHei" panose="020B0503020204020204" pitchFamily="34" charset="-122"/>
+              </a:rPr>
+              <a:t>一組</a:t>
+            </a:r>
+          </a:p>
+        </p:txBody>
+      </p:sp>
+      <p:pic>
+        <p:nvPicPr>
+          <p:cNvPr id="4" name="圖片 3"/>
+          <p:cNvPicPr>
+            <a:picLocks noChangeAspect="1"/>
+          </p:cNvPicPr>
+          <p:nvPr/>
+        </p:nvPicPr>
+        <p:blipFill>
+          <a:blip r:embed="rId3">
+            <a:extLst>
+              <a:ext uri="{28A0092B-C50C-407E-A947-70E740481C1C}">
+                <a14:useLocalDpi xmlns:a14="http://schemas.microsoft.com/office/drawing/2010/main" val="0"/>
+              </a:ext>
+            </a:extLst>
+          </a:blip>
+          <a:stretch>
+            <a:fillRect/>
+          </a:stretch>
+        </p:blipFill>
+        <p:spPr>
+          <a:xfrm>
+            <a:off x="3853266" y="1641071"/>
+            <a:ext cx="4942666" cy="2971800"/>
+          </a:xfrm>
+          <a:prstGeom prst="rect">
+            <a:avLst/>
+          </a:prstGeom>
+        </p:spPr>
+      </p:pic>
+    </p:spTree>
+    <p:extLst>
+      <p:ext uri="{BB962C8B-B14F-4D97-AF65-F5344CB8AC3E}">
+        <p14:creationId xmlns:p14="http://schemas.microsoft.com/office/powerpoint/2010/main" val="3992919587"/>
+      </p:ext>
+    </p:extLst>
+  </p:cSld>
+  <p:clrMapOvr>
+    <a:masterClrMapping/>
+  </p:clrMapOvr>
+  <mc:AlternateContent xmlns:mc="http://schemas.openxmlformats.org/markup-compatibility/2006" xmlns:p14="http://schemas.microsoft.com/office/powerpoint/2010/main">
+    <mc:Choice Requires="p14">
+      <p:transition spd="med" p14:dur="700">
+        <p:fade/>
+      </p:transition>
+    </mc:Choice>
+    <mc:Fallback xmlns="" xmlns:mv="urn:schemas-microsoft-com:mac:vml" xmlns:c="http://schemas.openxmlformats.org/drawingml/2006/chart" xmlns:dgm="http://schemas.openxmlformats.org/drawingml/2006/diagram" xmlns:o="urn:schemas-microsoft-com:office:office" xmlns:v="urn:schemas-microsoft-com:vml" xmlns:pvml="urn:schemas-microsoft-com:office:powerpoint" xmlns:com="http://schemas.openxmlformats.org/drawingml/2006/compatibility" xmlns:p15="http://schemas.microsoft.com/office/powerpoint/2012/main" xmlns:ahyp="http://schemas.microsoft.com/office/drawing/2018/hyperlinkcolor">
+      <p:transition spd="slow">
+        <p:fade/>
+      </p:transition>
+    </mc:Fallback>
+  </mc:AlternateContent>
+  <p:timing>
+    <p:tnLst>
+      <p:par>
+        <p:cTn id="1" dur="indefinite" restart="never" nodeType="tmRoot">
+          <p:childTnLst>
+            <p:seq concurrent="1" nextAc="seek">
+              <p:cTn id="2" dur="indefinite" nodeType="mainSeq">
+                <p:childTnLst>
+                  <p:par>
+                    <p:cTn id="3" fill="hold">
+                      <p:stCondLst>
+                        <p:cond delay="indefinite"/>
+                        <p:cond evt="onBegin" delay="0">
+                          <p:tn val="2"/>
+                        </p:cond>
+                      </p:stCondLst>
+                      <p:childTnLst>
+                        <p:par>
+                          <p:cTn id="4" fill="hold">
+                            <p:stCondLst>
+                              <p:cond delay="0"/>
+                            </p:stCondLst>
+                            <p:childTnLst>
+                              <p:par>
+                                <p:cTn id="5" presetID="2" presetClass="entr" presetSubtype="8" fill="hold" nodeType="withEffect">
+                                  <p:stCondLst>
+                                    <p:cond delay="0"/>
+                                  </p:stCondLst>
+                                  <p:childTnLst>
+                                    <p:set>
+                                      <p:cBhvr>
+                                        <p:cTn id="6" dur="1" fill="hold">
+                                          <p:stCondLst>
+                                            <p:cond delay="0"/>
+                                          </p:stCondLst>
+                                        </p:cTn>
+                                        <p:tgtEl>
+                                          <p:spTgt spid="245"/>
+                                        </p:tgtEl>
+                                        <p:attrNameLst>
+                                          <p:attrName>style.visibility</p:attrName>
+                                        </p:attrNameLst>
+                                      </p:cBhvr>
+                                      <p:to>
+                                        <p:strVal val="visible"/>
+                                      </p:to>
+                                    </p:set>
+                                    <p:anim calcmode="lin" valueType="num">
+                                      <p:cBhvr additive="base">
+                                        <p:cTn id="7" dur="500"/>
+                                        <p:tgtEl>
+                                          <p:spTgt spid="245"/>
+                                        </p:tgtEl>
+                                        <p:attrNameLst>
+                                          <p:attrName>ppt_x</p:attrName>
+                                        </p:attrNameLst>
+                                      </p:cBhvr>
+                                      <p:tavLst>
+                                        <p:tav tm="0">
+                                          <p:val>
+                                            <p:strVal val="#ppt_x-1"/>
+                                          </p:val>
+                                        </p:tav>
+                                        <p:tav tm="100000">
+                                          <p:val>
+                                            <p:strVal val="#ppt_x"/>
+                                          </p:val>
+                                        </p:tav>
+                                      </p:tavLst>
+                                    </p:anim>
+                                  </p:childTnLst>
+                                </p:cTn>
+                              </p:par>
+                            </p:childTnLst>
+                          </p:cTn>
+                        </p:par>
+                        <p:par>
+                          <p:cTn id="8" fill="hold">
+                            <p:stCondLst>
+                              <p:cond delay="500"/>
+                            </p:stCondLst>
+                            <p:childTnLst>
+                              <p:par>
+                                <p:cTn id="9" presetID="10" presetClass="entr" presetSubtype="0" fill="hold" nodeType="afterEffect">
+                                  <p:stCondLst>
+                                    <p:cond delay="0"/>
+                                  </p:stCondLst>
+                                  <p:childTnLst>
+                                    <p:set>
+                                      <p:cBhvr>
+                                        <p:cTn id="10" dur="1" fill="hold">
+                                          <p:stCondLst>
+                                            <p:cond delay="0"/>
+                                          </p:stCondLst>
+                                        </p:cTn>
+                                        <p:tgtEl>
+                                          <p:spTgt spid="244"/>
+                                        </p:tgtEl>
+                                        <p:attrNameLst>
+                                          <p:attrName>style.visibility</p:attrName>
+                                        </p:attrNameLst>
+                                      </p:cBhvr>
+                                      <p:to>
+                                        <p:strVal val="visible"/>
+                                      </p:to>
+                                    </p:set>
+                                    <p:animEffect transition="in" filter="fade">
+                                      <p:cBhvr>
+                                        <p:cTn id="11" dur="500"/>
+                                        <p:tgtEl>
+                                          <p:spTgt spid="244"/>
+                                        </p:tgtEl>
+                                      </p:cBhvr>
+                                    </p:animEffect>
+                                  </p:childTnLst>
+                                </p:cTn>
+                              </p:par>
+                            </p:childTnLst>
+                          </p:cTn>
+                        </p:par>
+                      </p:childTnLst>
+                    </p:cTn>
+                  </p:par>
+                </p:childTnLst>
+              </p:cTn>
+              <p:prevCondLst>
+                <p:cond evt="onPrev" delay="0">
+                  <p:tgtEl>
+                    <p:sldTgt/>
+                  </p:tgtEl>
+                </p:cond>
+              </p:prevCondLst>
+              <p:nextCondLst>
+                <p:cond evt="onNext" delay="0">
+                  <p:tgtEl>
+                    <p:sldTgt/>
+                  </p:tgtEl>
+                </p:cond>
+              </p:nextCondLst>
+            </p:seq>
+          </p:childTnLst>
+        </p:cTn>
+      </p:par>
+    </p:tnLst>
+  </p:timing>
+</p:sld>
+</file>
+
+<file path=ppt/slides/slide11.xml><?xml version="1.0" encoding="utf-8"?>
+<p:sld xmlns:a="http://schemas.openxmlformats.org/drawingml/2006/main" xmlns:r="http://schemas.openxmlformats.org/officeDocument/2006/relationships" xmlns:p="http://schemas.openxmlformats.org/presentationml/2006/main">
+  <p:cSld>
+    <p:spTree>
+      <p:nvGrpSpPr>
         <p:cNvPr id="1" name=""/>
         <p:cNvGrpSpPr/>
         <p:nvPr/>
@@ -5901,204 +6529,6 @@
           </a:p>
         </p:txBody>
       </p:sp>
-      <p:sp>
-        <p:nvSpPr>
-          <p:cNvPr id="31" name="文字方塊 30"/>
-          <p:cNvSpPr txBox="1"/>
-          <p:nvPr/>
-        </p:nvSpPr>
-        <p:spPr>
-          <a:xfrm>
-            <a:off x="5546491" y="4162426"/>
-            <a:ext cx="2738250" cy="738664"/>
-          </a:xfrm>
-          <a:prstGeom prst="rect">
-            <a:avLst/>
-          </a:prstGeom>
-          <a:noFill/>
-        </p:spPr>
-        <p:txBody>
-          <a:bodyPr wrap="none" rtlCol="0">
-            <a:spAutoFit/>
-          </a:bodyPr>
-          <a:lstStyle/>
-          <a:p>
-            <a:r>
-              <a:rPr lang="zh-TW" altLang="en-US" dirty="0" smtClean="0">
-                <a:latin typeface="Microsoft YaHei" panose="020B0503020204020204" pitchFamily="34" charset="-122"/>
-                <a:ea typeface="Microsoft YaHei" panose="020B0503020204020204" pitchFamily="34" charset="-122"/>
-              </a:rPr>
-              <a:t>目前進度條： </a:t>
-            </a:r>
-            <a:r>
-              <a:rPr lang="en-US" altLang="zh-TW" dirty="0" smtClean="0">
-                <a:latin typeface="Microsoft YaHei" panose="020B0503020204020204" pitchFamily="34" charset="-122"/>
-                <a:ea typeface="Microsoft YaHei" panose="020B0503020204020204" pitchFamily="34" charset="-122"/>
-              </a:rPr>
-              <a:t>AR APP</a:t>
-            </a:r>
-            <a:r>
-              <a:rPr lang="zh-TW" altLang="en-US" dirty="0" smtClean="0">
-                <a:latin typeface="Microsoft YaHei" panose="020B0503020204020204" pitchFamily="34" charset="-122"/>
-                <a:ea typeface="Microsoft YaHei" panose="020B0503020204020204" pitchFamily="34" charset="-122"/>
-              </a:rPr>
-              <a:t>    </a:t>
-            </a:r>
-            <a:r>
-              <a:rPr lang="en-US" altLang="zh-TW" dirty="0" smtClean="0">
-                <a:latin typeface="Microsoft YaHei" panose="020B0503020204020204" pitchFamily="34" charset="-122"/>
-                <a:ea typeface="Microsoft YaHei" panose="020B0503020204020204" pitchFamily="34" charset="-122"/>
-              </a:rPr>
-              <a:t>-</a:t>
-            </a:r>
-            <a:r>
-              <a:rPr lang="zh-TW" altLang="en-US" dirty="0" smtClean="0">
-                <a:latin typeface="Microsoft YaHei" panose="020B0503020204020204" pitchFamily="34" charset="-122"/>
-                <a:ea typeface="Microsoft YaHei" panose="020B0503020204020204" pitchFamily="34" charset="-122"/>
-              </a:rPr>
-              <a:t> </a:t>
-            </a:r>
-            <a:r>
-              <a:rPr lang="en-US" altLang="zh-TW" dirty="0" smtClean="0">
-                <a:latin typeface="Microsoft YaHei" panose="020B0503020204020204" pitchFamily="34" charset="-122"/>
-                <a:ea typeface="Microsoft YaHei" panose="020B0503020204020204" pitchFamily="34" charset="-122"/>
-              </a:rPr>
-              <a:t>50%</a:t>
-            </a:r>
-          </a:p>
-          <a:p>
-            <a:r>
-              <a:rPr lang="en-US" altLang="zh-TW" dirty="0">
-                <a:latin typeface="Microsoft YaHei" panose="020B0503020204020204" pitchFamily="34" charset="-122"/>
-                <a:ea typeface="Microsoft YaHei" panose="020B0503020204020204" pitchFamily="34" charset="-122"/>
-              </a:rPr>
-              <a:t> </a:t>
-            </a:r>
-            <a:r>
-              <a:rPr lang="en-US" altLang="zh-TW" dirty="0" smtClean="0">
-                <a:latin typeface="Microsoft YaHei" panose="020B0503020204020204" pitchFamily="34" charset="-122"/>
-                <a:ea typeface="Microsoft YaHei" panose="020B0503020204020204" pitchFamily="34" charset="-122"/>
-              </a:rPr>
-              <a:t>                     </a:t>
-            </a:r>
-            <a:r>
-              <a:rPr lang="zh-TW" altLang="en-US" dirty="0" smtClean="0">
-                <a:latin typeface="Microsoft YaHei" panose="020B0503020204020204" pitchFamily="34" charset="-122"/>
-                <a:ea typeface="Microsoft YaHei" panose="020B0503020204020204" pitchFamily="34" charset="-122"/>
-              </a:rPr>
-              <a:t>網頁         </a:t>
-            </a:r>
-            <a:r>
-              <a:rPr lang="en-US" altLang="zh-TW" dirty="0" smtClean="0">
-                <a:latin typeface="Microsoft YaHei" panose="020B0503020204020204" pitchFamily="34" charset="-122"/>
-                <a:ea typeface="Microsoft YaHei" panose="020B0503020204020204" pitchFamily="34" charset="-122"/>
-              </a:rPr>
-              <a:t>-</a:t>
-            </a:r>
-            <a:r>
-              <a:rPr lang="zh-TW" altLang="en-US" dirty="0" smtClean="0">
-                <a:latin typeface="Microsoft YaHei" panose="020B0503020204020204" pitchFamily="34" charset="-122"/>
-                <a:ea typeface="Microsoft YaHei" panose="020B0503020204020204" pitchFamily="34" charset="-122"/>
-              </a:rPr>
-              <a:t> </a:t>
-            </a:r>
-            <a:r>
-              <a:rPr lang="en-US" altLang="zh-TW" dirty="0" smtClean="0">
-                <a:latin typeface="Microsoft YaHei" panose="020B0503020204020204" pitchFamily="34" charset="-122"/>
-                <a:ea typeface="Microsoft YaHei" panose="020B0503020204020204" pitchFamily="34" charset="-122"/>
-              </a:rPr>
-              <a:t>60%</a:t>
-            </a:r>
-          </a:p>
-          <a:p>
-            <a:r>
-              <a:rPr lang="zh-TW" altLang="en-US" dirty="0">
-                <a:latin typeface="Microsoft YaHei" panose="020B0503020204020204" pitchFamily="34" charset="-122"/>
-                <a:ea typeface="Microsoft YaHei" panose="020B0503020204020204" pitchFamily="34" charset="-122"/>
-              </a:rPr>
-              <a:t> </a:t>
-            </a:r>
-            <a:r>
-              <a:rPr lang="zh-TW" altLang="en-US" dirty="0" smtClean="0">
-                <a:latin typeface="Microsoft YaHei" panose="020B0503020204020204" pitchFamily="34" charset="-122"/>
-                <a:ea typeface="Microsoft YaHei" panose="020B0503020204020204" pitchFamily="34" charset="-122"/>
-              </a:rPr>
-              <a:t>                     小型電梯  </a:t>
-            </a:r>
-            <a:r>
-              <a:rPr lang="en-US" altLang="zh-TW" dirty="0" smtClean="0">
-                <a:latin typeface="Microsoft YaHei" panose="020B0503020204020204" pitchFamily="34" charset="-122"/>
-                <a:ea typeface="Microsoft YaHei" panose="020B0503020204020204" pitchFamily="34" charset="-122"/>
-              </a:rPr>
-              <a:t>-</a:t>
-            </a:r>
-            <a:r>
-              <a:rPr lang="zh-TW" altLang="en-US" dirty="0" smtClean="0">
-                <a:latin typeface="Microsoft YaHei" panose="020B0503020204020204" pitchFamily="34" charset="-122"/>
-                <a:ea typeface="Microsoft YaHei" panose="020B0503020204020204" pitchFamily="34" charset="-122"/>
-              </a:rPr>
-              <a:t> </a:t>
-            </a:r>
-            <a:r>
-              <a:rPr lang="en-US" altLang="zh-TW" dirty="0" smtClean="0">
-                <a:latin typeface="Microsoft YaHei" panose="020B0503020204020204" pitchFamily="34" charset="-122"/>
-                <a:ea typeface="Microsoft YaHei" panose="020B0503020204020204" pitchFamily="34" charset="-122"/>
-              </a:rPr>
-              <a:t>5%</a:t>
-            </a:r>
-            <a:endParaRPr lang="zh-TW" altLang="en-US" dirty="0">
-              <a:latin typeface="Microsoft YaHei" panose="020B0503020204020204" pitchFamily="34" charset="-122"/>
-              <a:ea typeface="Microsoft YaHei" panose="020B0503020204020204" pitchFamily="34" charset="-122"/>
-            </a:endParaRPr>
-          </a:p>
-        </p:txBody>
-      </p:sp>
-      <p:sp>
-        <p:nvSpPr>
-          <p:cNvPr id="32" name="矩形 31"/>
-          <p:cNvSpPr/>
-          <p:nvPr/>
-        </p:nvSpPr>
-        <p:spPr>
-          <a:xfrm>
-            <a:off x="5546491" y="4140100"/>
-            <a:ext cx="2654636" cy="760989"/>
-          </a:xfrm>
-          <a:prstGeom prst="rect">
-            <a:avLst/>
-          </a:prstGeom>
-          <a:noFill/>
-          <a:ln>
-            <a:solidFill>
-              <a:schemeClr val="accent1"/>
-            </a:solidFill>
-          </a:ln>
-        </p:spPr>
-        <p:style>
-          <a:lnRef idx="2">
-            <a:schemeClr val="accent1">
-              <a:shade val="50000"/>
-            </a:schemeClr>
-          </a:lnRef>
-          <a:fillRef idx="1">
-            <a:schemeClr val="accent1"/>
-          </a:fillRef>
-          <a:effectRef idx="0">
-            <a:schemeClr val="accent1"/>
-          </a:effectRef>
-          <a:fontRef idx="minor">
-            <a:schemeClr val="lt1"/>
-          </a:fontRef>
-        </p:style>
-        <p:txBody>
-          <a:bodyPr rtlCol="0" anchor="ctr"/>
-          <a:lstStyle/>
-          <a:p>
-            <a:pPr algn="ctr"/>
-            <a:endParaRPr lang="zh-TW" altLang="en-US"/>
-          </a:p>
-        </p:txBody>
-      </p:sp>
     </p:spTree>
     <p:extLst>
       <p:ext uri="{BB962C8B-B14F-4D97-AF65-F5344CB8AC3E}">
@@ -6115,7 +6545,7 @@
         <p:fade/>
       </p:transition>
     </mc:Choice>
-    <mc:Fallback xmlns:ahyp="http://schemas.microsoft.com/office/drawing/2018/hyperlinkcolor" xmlns:p15="http://schemas.microsoft.com/office/powerpoint/2012/main" xmlns:com="http://schemas.openxmlformats.org/drawingml/2006/compatibility" xmlns:pvml="urn:schemas-microsoft-com:office:powerpoint" xmlns:v="urn:schemas-microsoft-com:vml" xmlns:o="urn:schemas-microsoft-com:office:office" xmlns:dgm="http://schemas.openxmlformats.org/drawingml/2006/diagram" xmlns:c="http://schemas.openxmlformats.org/drawingml/2006/chart" xmlns:mv="urn:schemas-microsoft-com:mac:vml" xmlns="">
+    <mc:Fallback xmlns="" xmlns:mv="urn:schemas-microsoft-com:mac:vml" xmlns:c="http://schemas.openxmlformats.org/drawingml/2006/chart" xmlns:dgm="http://schemas.openxmlformats.org/drawingml/2006/diagram" xmlns:o="urn:schemas-microsoft-com:office:office" xmlns:v="urn:schemas-microsoft-com:vml" xmlns:pvml="urn:schemas-microsoft-com:office:powerpoint" xmlns:com="http://schemas.openxmlformats.org/drawingml/2006/compatibility" xmlns:p15="http://schemas.microsoft.com/office/powerpoint/2012/main" xmlns:ahyp="http://schemas.microsoft.com/office/drawing/2018/hyperlinkcolor">
       <p:transition spd="slow">
         <p:fade/>
       </p:transition>
@@ -6269,7 +6699,7 @@
 </p:sld>
 </file>
 
-<file path=ppt/slides/slide11.xml><?xml version="1.0" encoding="utf-8"?>
+<file path=ppt/slides/slide12.xml><?xml version="1.0" encoding="utf-8"?>
 <p:sld xmlns:a="http://schemas.openxmlformats.org/drawingml/2006/main" xmlns:r="http://schemas.openxmlformats.org/officeDocument/2006/relationships" xmlns:p="http://schemas.openxmlformats.org/presentationml/2006/main">
   <p:cSld>
     <p:spTree>
@@ -6475,7 +6905,7 @@
         <p:fade/>
       </p:transition>
     </mc:Choice>
-    <mc:Fallback xmlns:ahyp="http://schemas.microsoft.com/office/drawing/2018/hyperlinkcolor" xmlns:p15="http://schemas.microsoft.com/office/powerpoint/2012/main" xmlns:com="http://schemas.openxmlformats.org/drawingml/2006/compatibility" xmlns:pvml="urn:schemas-microsoft-com:office:powerpoint" xmlns:v="urn:schemas-microsoft-com:vml" xmlns:o="urn:schemas-microsoft-com:office:office" xmlns:dgm="http://schemas.openxmlformats.org/drawingml/2006/diagram" xmlns:c="http://schemas.openxmlformats.org/drawingml/2006/chart" xmlns:mv="urn:schemas-microsoft-com:mac:vml" xmlns="">
+    <mc:Fallback xmlns="" xmlns:mv="urn:schemas-microsoft-com:mac:vml" xmlns:c="http://schemas.openxmlformats.org/drawingml/2006/chart" xmlns:dgm="http://schemas.openxmlformats.org/drawingml/2006/diagram" xmlns:o="urn:schemas-microsoft-com:office:office" xmlns:v="urn:schemas-microsoft-com:vml" xmlns:pvml="urn:schemas-microsoft-com:office:powerpoint" xmlns:com="http://schemas.openxmlformats.org/drawingml/2006/compatibility" xmlns:p15="http://schemas.microsoft.com/office/powerpoint/2012/main" xmlns:ahyp="http://schemas.microsoft.com/office/drawing/2018/hyperlinkcolor">
       <p:transition spd="slow">
         <p:fade/>
       </p:transition>
@@ -6629,7 +7059,7 @@
 </p:sld>
 </file>
 
-<file path=ppt/slides/slide12.xml><?xml version="1.0" encoding="utf-8"?>
+<file path=ppt/slides/slide13.xml><?xml version="1.0" encoding="utf-8"?>
 <p:sld xmlns:a="http://schemas.openxmlformats.org/drawingml/2006/main" xmlns:r="http://schemas.openxmlformats.org/officeDocument/2006/relationships" xmlns:p="http://schemas.openxmlformats.org/presentationml/2006/main">
   <p:cSld>
     <p:spTree>
@@ -7102,7 +7532,7 @@
         <p:fade/>
       </p:transition>
     </mc:Choice>
-    <mc:Fallback xmlns:ahyp="http://schemas.microsoft.com/office/drawing/2018/hyperlinkcolor" xmlns:p15="http://schemas.microsoft.com/office/powerpoint/2012/main" xmlns:com="http://schemas.openxmlformats.org/drawingml/2006/compatibility" xmlns:pvml="urn:schemas-microsoft-com:office:powerpoint" xmlns:v="urn:schemas-microsoft-com:vml" xmlns:o="urn:schemas-microsoft-com:office:office" xmlns:dgm="http://schemas.openxmlformats.org/drawingml/2006/diagram" xmlns:c="http://schemas.openxmlformats.org/drawingml/2006/chart" xmlns:mv="urn:schemas-microsoft-com:mac:vml" xmlns="">
+    <mc:Fallback xmlns="" xmlns:mv="urn:schemas-microsoft-com:mac:vml" xmlns:c="http://schemas.openxmlformats.org/drawingml/2006/chart" xmlns:dgm="http://schemas.openxmlformats.org/drawingml/2006/diagram" xmlns:o="urn:schemas-microsoft-com:office:office" xmlns:v="urn:schemas-microsoft-com:vml" xmlns:pvml="urn:schemas-microsoft-com:office:powerpoint" xmlns:com="http://schemas.openxmlformats.org/drawingml/2006/compatibility" xmlns:p15="http://schemas.microsoft.com/office/powerpoint/2012/main" xmlns:ahyp="http://schemas.microsoft.com/office/drawing/2018/hyperlinkcolor">
       <p:transition spd="slow">
         <p:fade/>
       </p:transition>
@@ -7907,19 +8337,7 @@
                 <a:cs typeface="Microsoft Yahei"/>
                 <a:sym typeface="Microsoft Yahei"/>
               </a:rPr>
-              <a:t>系統</a:t>
-            </a:r>
-            <a:r>
-              <a:rPr lang="zh-TW" altLang="en-US" sz="1200" dirty="0" smtClean="0">
-                <a:solidFill>
-                  <a:srgbClr val="262626"/>
-                </a:solidFill>
-                <a:latin typeface="Microsoft Yahei"/>
-                <a:ea typeface="Microsoft Yahei"/>
-                <a:cs typeface="Microsoft Yahei"/>
-                <a:sym typeface="Microsoft Yahei"/>
-              </a:rPr>
-              <a:t>開發</a:t>
+              <a:t>系統開發</a:t>
             </a:r>
             <a:endParaRPr sz="1200" dirty="0">
               <a:solidFill>
@@ -8004,7 +8422,7 @@
         <p:fade/>
       </p:transition>
     </mc:Choice>
-    <mc:Fallback xmlns:ahyp="http://schemas.microsoft.com/office/drawing/2018/hyperlinkcolor" xmlns:p15="http://schemas.microsoft.com/office/powerpoint/2012/main" xmlns:com="http://schemas.openxmlformats.org/drawingml/2006/compatibility" xmlns:pvml="urn:schemas-microsoft-com:office:powerpoint" xmlns:v="urn:schemas-microsoft-com:vml" xmlns:o="urn:schemas-microsoft-com:office:office" xmlns:dgm="http://schemas.openxmlformats.org/drawingml/2006/diagram" xmlns:c="http://schemas.openxmlformats.org/drawingml/2006/chart" xmlns:mv="urn:schemas-microsoft-com:mac:vml" xmlns="">
+    <mc:Fallback xmlns="" xmlns:mv="urn:schemas-microsoft-com:mac:vml" xmlns:c="http://schemas.openxmlformats.org/drawingml/2006/chart" xmlns:dgm="http://schemas.openxmlformats.org/drawingml/2006/diagram" xmlns:o="urn:schemas-microsoft-com:office:office" xmlns:v="urn:schemas-microsoft-com:vml" xmlns:pvml="urn:schemas-microsoft-com:office:powerpoint" xmlns:com="http://schemas.openxmlformats.org/drawingml/2006/compatibility" xmlns:p15="http://schemas.microsoft.com/office/powerpoint/2012/main" xmlns:ahyp="http://schemas.microsoft.com/office/drawing/2018/hyperlinkcolor">
       <p:transition spd="slow">
         <p:fade/>
       </p:transition>
@@ -9524,18 +9942,7 @@
                 <a:ea typeface="Microsoft YaHei" panose="020B0503020204020204" pitchFamily="34" charset="-122"/>
                 <a:cs typeface="Arial"/>
               </a:rPr>
-              <a:t>功能，使用者不必真的去按電梯按鈕，只需要在鏡頭前比劃幾下，即可按下電梯按鈕</a:t>
-            </a:r>
-            <a:r>
-              <a:rPr lang="zh-TW" altLang="zh-TW" dirty="0">
-                <a:solidFill>
-                  <a:srgbClr val="000000"/>
-                </a:solidFill>
-                <a:latin typeface="Microsoft YaHei" panose="020B0503020204020204" pitchFamily="34" charset="-122"/>
-                <a:ea typeface="Microsoft YaHei" panose="020B0503020204020204" pitchFamily="34" charset="-122"/>
-                <a:cs typeface="Arial"/>
-              </a:rPr>
-              <a:t>。</a:t>
+              <a:t>功能，使用者不必真的去按電梯按鈕，只需要在鏡頭前比劃幾下，即可按下電梯按鈕。</a:t>
             </a:r>
             <a:endParaRPr lang="zh-CN" altLang="zh-CN" dirty="0">
               <a:solidFill>
@@ -9869,10 +10276,10 @@
                 <a:ea typeface="Microsoft YaHei" panose="020B0503020204020204" pitchFamily="34" charset="-122"/>
                 <a:cs typeface="Arial"/>
               </a:rPr>
-              <a:t>開發一個用於</a:t>
-            </a:r>
-            <a:r>
-              <a:rPr lang="zh-TW" altLang="en-US" dirty="0">
+              <a:t>開發一個用於顯示</a:t>
+            </a:r>
+            <a:r>
+              <a:rPr lang="en-US" altLang="zh-TW" dirty="0">
                 <a:solidFill>
                   <a:srgbClr val="000000"/>
                 </a:solidFill>
@@ -9880,10 +10287,10 @@
                 <a:ea typeface="Microsoft YaHei" panose="020B0503020204020204" pitchFamily="34" charset="-122"/>
                 <a:cs typeface="Arial"/>
               </a:rPr>
-              <a:t>顯示</a:t>
-            </a:r>
-            <a:r>
-              <a:rPr lang="en-US" altLang="zh-TW" dirty="0">
+              <a:t>QRCODE</a:t>
+            </a:r>
+            <a:r>
+              <a:rPr lang="zh-TW" altLang="en-US" dirty="0">
                 <a:solidFill>
                   <a:srgbClr val="000000"/>
                 </a:solidFill>
@@ -9891,40 +10298,7 @@
                 <a:ea typeface="Microsoft YaHei" panose="020B0503020204020204" pitchFamily="34" charset="-122"/>
                 <a:cs typeface="Arial"/>
               </a:rPr>
-              <a:t>QRCODE</a:t>
-            </a:r>
-            <a:r>
-              <a:rPr lang="zh-TW" altLang="en-US" dirty="0">
-                <a:solidFill>
-                  <a:srgbClr val="000000"/>
-                </a:solidFill>
-                <a:latin typeface="Microsoft YaHei" panose="020B0503020204020204" pitchFamily="34" charset="-122"/>
-                <a:ea typeface="Microsoft YaHei" panose="020B0503020204020204" pitchFamily="34" charset="-122"/>
-                <a:cs typeface="Arial"/>
-              </a:rPr>
-              <a:t>的</a:t>
-            </a:r>
-            <a:r>
-              <a:rPr lang="zh-TW" altLang="en-US" dirty="0">
-                <a:solidFill>
-                  <a:srgbClr val="000000"/>
-                </a:solidFill>
-                <a:latin typeface="Microsoft YaHei" panose="020B0503020204020204" pitchFamily="34" charset="-122"/>
-                <a:ea typeface="Microsoft YaHei" panose="020B0503020204020204" pitchFamily="34" charset="-122"/>
-                <a:cs typeface="Arial"/>
-              </a:rPr>
-              <a:t>網頁</a:t>
-            </a:r>
-            <a:r>
-              <a:rPr lang="zh-TW" altLang="en-US" dirty="0">
-                <a:solidFill>
-                  <a:srgbClr val="000000"/>
-                </a:solidFill>
-                <a:latin typeface="Microsoft YaHei" panose="020B0503020204020204" pitchFamily="34" charset="-122"/>
-                <a:ea typeface="Microsoft YaHei" panose="020B0503020204020204" pitchFamily="34" charset="-122"/>
-                <a:cs typeface="Arial"/>
-              </a:rPr>
-              <a:t>，每經過一段時間，自動生成新的</a:t>
+              <a:t>的網頁，每經過一段時間，自動生成新的</a:t>
             </a:r>
             <a:r>
               <a:rPr lang="en-US" altLang="zh-TW" dirty="0">
@@ -10929,7 +11303,7 @@
         <p:fade/>
       </p:transition>
     </mc:Choice>
-    <mc:Fallback xmlns:ahyp="http://schemas.microsoft.com/office/drawing/2018/hyperlinkcolor" xmlns:p15="http://schemas.microsoft.com/office/powerpoint/2012/main" xmlns:com="http://schemas.openxmlformats.org/drawingml/2006/compatibility" xmlns:pvml="urn:schemas-microsoft-com:office:powerpoint" xmlns:v="urn:schemas-microsoft-com:vml" xmlns:o="urn:schemas-microsoft-com:office:office" xmlns:dgm="http://schemas.openxmlformats.org/drawingml/2006/diagram" xmlns:c="http://schemas.openxmlformats.org/drawingml/2006/chart" xmlns:mv="urn:schemas-microsoft-com:mac:vml" xmlns="">
+    <mc:Fallback xmlns="" xmlns:mv="urn:schemas-microsoft-com:mac:vml" xmlns:c="http://schemas.openxmlformats.org/drawingml/2006/chart" xmlns:dgm="http://schemas.openxmlformats.org/drawingml/2006/diagram" xmlns:o="urn:schemas-microsoft-com:office:office" xmlns:v="urn:schemas-microsoft-com:vml" xmlns:pvml="urn:schemas-microsoft-com:office:powerpoint" xmlns:com="http://schemas.openxmlformats.org/drawingml/2006/compatibility" xmlns:p15="http://schemas.microsoft.com/office/powerpoint/2012/main" xmlns:ahyp="http://schemas.microsoft.com/office/drawing/2018/hyperlinkcolor">
       <p:transition spd="slow">
         <p:fade/>
       </p:transition>
@@ -12217,14 +12591,7 @@
                 <a:latin typeface="Microsoft YaHei" panose="020B0503020204020204" pitchFamily="34" charset="-122"/>
                 <a:ea typeface="Microsoft YaHei" panose="020B0503020204020204" pitchFamily="34" charset="-122"/>
               </a:rPr>
-              <a:t>擴</a:t>
-            </a:r>
-            <a:r>
-              <a:rPr lang="zh-TW" altLang="en-US" sz="1200" dirty="0">
-                <a:latin typeface="Microsoft YaHei" panose="020B0503020204020204" pitchFamily="34" charset="-122"/>
-                <a:ea typeface="Microsoft YaHei" panose="020B0503020204020204" pitchFamily="34" charset="-122"/>
-              </a:rPr>
-              <a:t>增實境軟體開發工具包</a:t>
+              <a:t>擴增實境軟體開發工具包</a:t>
             </a:r>
             <a:r>
               <a:rPr lang="zh-CN" altLang="en-US" sz="1200" dirty="0" smtClean="0">
@@ -12976,7 +13343,7 @@
         <p:fade/>
       </p:transition>
     </mc:Choice>
-    <mc:Fallback xmlns:ahyp="http://schemas.microsoft.com/office/drawing/2018/hyperlinkcolor" xmlns:p15="http://schemas.microsoft.com/office/powerpoint/2012/main" xmlns:com="http://schemas.openxmlformats.org/drawingml/2006/compatibility" xmlns:pvml="urn:schemas-microsoft-com:office:powerpoint" xmlns:v="urn:schemas-microsoft-com:vml" xmlns:o="urn:schemas-microsoft-com:office:office" xmlns:dgm="http://schemas.openxmlformats.org/drawingml/2006/diagram" xmlns:c="http://schemas.openxmlformats.org/drawingml/2006/chart" xmlns:mv="urn:schemas-microsoft-com:mac:vml" xmlns="">
+    <mc:Fallback xmlns="" xmlns:mv="urn:schemas-microsoft-com:mac:vml" xmlns:c="http://schemas.openxmlformats.org/drawingml/2006/chart" xmlns:dgm="http://schemas.openxmlformats.org/drawingml/2006/diagram" xmlns:o="urn:schemas-microsoft-com:office:office" xmlns:v="urn:schemas-microsoft-com:vml" xmlns:pvml="urn:schemas-microsoft-com:office:powerpoint" xmlns:com="http://schemas.openxmlformats.org/drawingml/2006/compatibility" xmlns:p15="http://schemas.microsoft.com/office/powerpoint/2012/main" xmlns:ahyp="http://schemas.microsoft.com/office/drawing/2018/hyperlinkcolor">
       <p:transition spd="slow">
         <p:fade/>
       </p:transition>
@@ -13419,7 +13786,7 @@
         <p:fade/>
       </p:transition>
     </mc:Choice>
-    <mc:Fallback xmlns:ahyp="http://schemas.microsoft.com/office/drawing/2018/hyperlinkcolor" xmlns:p15="http://schemas.microsoft.com/office/powerpoint/2012/main" xmlns:com="http://schemas.openxmlformats.org/drawingml/2006/compatibility" xmlns:pvml="urn:schemas-microsoft-com:office:powerpoint" xmlns:v="urn:schemas-microsoft-com:vml" xmlns:o="urn:schemas-microsoft-com:office:office" xmlns:dgm="http://schemas.openxmlformats.org/drawingml/2006/diagram" xmlns:c="http://schemas.openxmlformats.org/drawingml/2006/chart" xmlns:mv="urn:schemas-microsoft-com:mac:vml" xmlns="">
+    <mc:Fallback xmlns="" xmlns:mv="urn:schemas-microsoft-com:mac:vml" xmlns:c="http://schemas.openxmlformats.org/drawingml/2006/chart" xmlns:dgm="http://schemas.openxmlformats.org/drawingml/2006/diagram" xmlns:o="urn:schemas-microsoft-com:office:office" xmlns:v="urn:schemas-microsoft-com:vml" xmlns:pvml="urn:schemas-microsoft-com:office:powerpoint" xmlns:com="http://schemas.openxmlformats.org/drawingml/2006/compatibility" xmlns:p15="http://schemas.microsoft.com/office/powerpoint/2012/main" xmlns:ahyp="http://schemas.microsoft.com/office/drawing/2018/hyperlinkcolor">
       <p:transition spd="slow">
         <p:fade/>
       </p:transition>
@@ -13578,7 +13945,7 @@
   <p:cSld>
     <p:spTree>
       <p:nvGrpSpPr>
-        <p:cNvPr id="1" name="Shape 218"/>
+        <p:cNvPr id="1" name=""/>
         <p:cNvGrpSpPr/>
         <p:nvPr/>
       </p:nvGrpSpPr>
@@ -13592,14 +13959,14 @@
       </p:grpSpPr>
       <p:sp>
         <p:nvSpPr>
-          <p:cNvPr id="234" name="Google Shape;234;p10"/>
+          <p:cNvPr id="12" name="Google Shape;125;p4"/>
           <p:cNvSpPr/>
           <p:nvPr/>
         </p:nvSpPr>
         <p:spPr>
           <a:xfrm>
             <a:off x="476188" y="177842"/>
-            <a:ext cx="2236506" cy="461663"/>
+            <a:ext cx="1415768" cy="461624"/>
           </a:xfrm>
           <a:prstGeom prst="rect">
             <a:avLst/>
@@ -13615,21 +13982,29 @@
           </a:bodyPr>
           <a:lstStyle/>
           <a:p>
-            <a:pPr>
+            <a:pPr marL="0" marR="0" lvl="0" indent="0" algn="l" rtl="0">
+              <a:spcBef>
+                <a:spcPts val="0"/>
+              </a:spcBef>
+              <a:spcAft>
+                <a:spcPts val="0"/>
+              </a:spcAft>
               <a:buClr>
                 <a:schemeClr val="accent1"/>
               </a:buClr>
               <a:buSzPts val="2400"/>
+              <a:buFont typeface="Arial"/>
+              <a:buNone/>
             </a:pPr>
             <a:r>
-              <a:rPr lang="zh-TW" altLang="en-US" sz="2400" b="1" dirty="0" smtClean="0">
+              <a:rPr lang="en-US" sz="2400" b="1" dirty="0" smtClean="0">
                 <a:solidFill>
                   <a:schemeClr val="accent1"/>
                 </a:solidFill>
                 <a:latin typeface="Microsoft YaHei" panose="020B0503020204020204" pitchFamily="34" charset="-122"/>
                 <a:ea typeface="Microsoft YaHei" panose="020B0503020204020204" pitchFamily="34" charset="-122"/>
               </a:rPr>
-              <a:t>網頁開發</a:t>
+              <a:t>AR APP</a:t>
             </a:r>
             <a:endParaRPr sz="2400" b="1" dirty="0">
               <a:solidFill>
@@ -13637,13 +14012,14 @@
               </a:solidFill>
               <a:latin typeface="Microsoft YaHei" panose="020B0503020204020204" pitchFamily="34" charset="-122"/>
               <a:ea typeface="Microsoft YaHei" panose="020B0503020204020204" pitchFamily="34" charset="-122"/>
+              <a:sym typeface="Arial"/>
             </a:endParaRPr>
           </a:p>
         </p:txBody>
       </p:sp>
       <p:sp>
         <p:nvSpPr>
-          <p:cNvPr id="235" name="Google Shape;235;p10"/>
+          <p:cNvPr id="13" name="Google Shape;126;p4"/>
           <p:cNvSpPr/>
           <p:nvPr/>
         </p:nvSpPr>
@@ -13696,16 +14072,71 @@
           </a:p>
         </p:txBody>
       </p:sp>
+      <p:sp>
+        <p:nvSpPr>
+          <p:cNvPr id="15" name="文字方塊 14"/>
+          <p:cNvSpPr txBox="1"/>
+          <p:nvPr/>
+        </p:nvSpPr>
+        <p:spPr>
+          <a:xfrm>
+            <a:off x="1363438" y="4038188"/>
+            <a:ext cx="1303562" cy="307777"/>
+          </a:xfrm>
+          <a:prstGeom prst="rect">
+            <a:avLst/>
+          </a:prstGeom>
+          <a:noFill/>
+        </p:spPr>
+        <p:txBody>
+          <a:bodyPr wrap="none" rtlCol="0">
+            <a:spAutoFit/>
+          </a:bodyPr>
+          <a:lstStyle/>
+          <a:p>
+            <a:r>
+              <a:rPr lang="en-US" altLang="zh-TW" dirty="0">
+                <a:solidFill>
+                  <a:srgbClr val="262626"/>
+                </a:solidFill>
+                <a:latin typeface="Microsoft Yahei"/>
+                <a:ea typeface="Microsoft Yahei"/>
+                <a:cs typeface="Microsoft Yahei"/>
+              </a:rPr>
+              <a:t>APP </a:t>
+            </a:r>
+            <a:r>
+              <a:rPr lang="zh-TW" altLang="en-US" dirty="0" smtClean="0">
+                <a:solidFill>
+                  <a:srgbClr val="262626"/>
+                </a:solidFill>
+                <a:latin typeface="Microsoft Yahei"/>
+                <a:ea typeface="Microsoft Yahei"/>
+                <a:cs typeface="Microsoft Yahei"/>
+              </a:rPr>
+              <a:t>下載點→</a:t>
+            </a:r>
+            <a:endParaRPr lang="zh-TW" altLang="en-US" dirty="0">
+              <a:solidFill>
+                <a:srgbClr val="262626"/>
+              </a:solidFill>
+              <a:latin typeface="Microsoft Yahei"/>
+              <a:ea typeface="Microsoft Yahei"/>
+              <a:cs typeface="Microsoft Yahei"/>
+            </a:endParaRPr>
+          </a:p>
+        </p:txBody>
+      </p:sp>
       <p:pic>
         <p:nvPicPr>
-          <p:cNvPr id="4" name="圖片 3"/>
+          <p:cNvPr id="2" name="圖片 1"/>
           <p:cNvPicPr>
             <a:picLocks noChangeAspect="1"/>
           </p:cNvPicPr>
           <p:nvPr/>
         </p:nvPicPr>
         <p:blipFill>
-          <a:blip r:embed="rId3">
+          <a:blip r:embed="rId2">
             <a:extLst>
               <a:ext uri="{28A0092B-C50C-407E-A947-70E740481C1C}">
                 <a14:useLocalDpi xmlns:a14="http://schemas.microsoft.com/office/drawing/2010/main" val="0"/>
@@ -13718,8 +14149,8 @@
         </p:blipFill>
         <p:spPr>
           <a:xfrm>
-            <a:off x="1933205" y="2100065"/>
-            <a:ext cx="5277587" cy="2829320"/>
+            <a:off x="2667000" y="666750"/>
+            <a:ext cx="3810000" cy="3810000"/>
           </a:xfrm>
           <a:prstGeom prst="rect">
             <a:avLst/>
@@ -13728,14 +14159,14 @@
       </p:pic>
       <p:sp>
         <p:nvSpPr>
-          <p:cNvPr id="22" name="文字方塊 21"/>
+          <p:cNvPr id="8" name="文字方塊 7"/>
           <p:cNvSpPr txBox="1"/>
           <p:nvPr/>
         </p:nvSpPr>
         <p:spPr>
           <a:xfrm>
-            <a:off x="501585" y="933580"/>
-            <a:ext cx="7195047" cy="738664"/>
+            <a:off x="532291" y="990188"/>
+            <a:ext cx="902811" cy="307777"/>
           </a:xfrm>
           <a:prstGeom prst="rect">
             <a:avLst/>
@@ -13748,140 +14179,34 @@
           </a:bodyPr>
           <a:lstStyle/>
           <a:p>
-            <a:pPr lvl="0"/>
-            <a:r>
-              <a:rPr lang="zh-TW" altLang="zh-TW" kern="1200" dirty="0">
-                <a:latin typeface="Microsoft YaHei" panose="020B0503020204020204" pitchFamily="34" charset="-122"/>
-                <a:ea typeface="Microsoft YaHei" panose="020B0503020204020204" pitchFamily="34" charset="-122"/>
-              </a:rPr>
-              <a:t>網頁使用</a:t>
-            </a:r>
-            <a:r>
-              <a:rPr lang="en-US" altLang="zh-TW" kern="1200" dirty="0" err="1">
-                <a:latin typeface="Microsoft YaHei" panose="020B0503020204020204" pitchFamily="34" charset="-122"/>
-                <a:ea typeface="Microsoft YaHei" panose="020B0503020204020204" pitchFamily="34" charset="-122"/>
-              </a:rPr>
-              <a:t>Javascript</a:t>
-            </a:r>
-            <a:r>
-              <a:rPr lang="zh-TW" altLang="zh-TW" kern="1200" dirty="0">
-                <a:latin typeface="Microsoft YaHei" panose="020B0503020204020204" pitchFamily="34" charset="-122"/>
-                <a:ea typeface="Microsoft YaHei" panose="020B0503020204020204" pitchFamily="34" charset="-122"/>
-              </a:rPr>
-              <a:t>作為主要開發</a:t>
-            </a:r>
-            <a:r>
-              <a:rPr lang="zh-TW" altLang="zh-TW" kern="1200" dirty="0">
-                <a:latin typeface="Microsoft YaHei" panose="020B0503020204020204" pitchFamily="34" charset="-122"/>
-                <a:ea typeface="Microsoft YaHei" panose="020B0503020204020204" pitchFamily="34" charset="-122"/>
-              </a:rPr>
-              <a:t>工具</a:t>
-            </a:r>
-            <a:r>
-              <a:rPr lang="zh-TW" altLang="en-US" kern="1200" dirty="0">
-                <a:latin typeface="Microsoft YaHei" panose="020B0503020204020204" pitchFamily="34" charset="-122"/>
-                <a:ea typeface="Microsoft YaHei" panose="020B0503020204020204" pitchFamily="34" charset="-122"/>
-              </a:rPr>
-              <a:t>，並</a:t>
-            </a:r>
-            <a:r>
-              <a:rPr lang="zh-TW" altLang="zh-TW" kern="1200" dirty="0">
-                <a:latin typeface="Microsoft YaHei" panose="020B0503020204020204" pitchFamily="34" charset="-122"/>
-                <a:ea typeface="Microsoft YaHei" panose="020B0503020204020204" pitchFamily="34" charset="-122"/>
-              </a:rPr>
-              <a:t>使用</a:t>
-            </a:r>
-            <a:r>
-              <a:rPr lang="en-US" altLang="zh-TW" kern="1200" dirty="0">
-                <a:latin typeface="Microsoft YaHei" panose="020B0503020204020204" pitchFamily="34" charset="-122"/>
-                <a:ea typeface="Microsoft YaHei" panose="020B0503020204020204" pitchFamily="34" charset="-122"/>
-              </a:rPr>
-              <a:t>jQuery</a:t>
-            </a:r>
-            <a:r>
-              <a:rPr lang="zh-TW" altLang="zh-TW" kern="1200" dirty="0">
-                <a:latin typeface="Microsoft YaHei" panose="020B0503020204020204" pitchFamily="34" charset="-122"/>
-                <a:ea typeface="Microsoft YaHei" panose="020B0503020204020204" pitchFamily="34" charset="-122"/>
-              </a:rPr>
-              <a:t>產生</a:t>
-            </a:r>
-            <a:r>
-              <a:rPr lang="en-US" altLang="zh-TW" kern="1200" dirty="0" err="1" smtClean="0">
-                <a:latin typeface="Microsoft YaHei" panose="020B0503020204020204" pitchFamily="34" charset="-122"/>
-                <a:ea typeface="Microsoft YaHei" panose="020B0503020204020204" pitchFamily="34" charset="-122"/>
-              </a:rPr>
-              <a:t>QRCode</a:t>
-            </a:r>
-            <a:endParaRPr lang="en-US" altLang="zh-TW" kern="1200" dirty="0" smtClean="0">
-              <a:latin typeface="Microsoft YaHei" panose="020B0503020204020204" pitchFamily="34" charset="-122"/>
-              <a:ea typeface="Microsoft YaHei" panose="020B0503020204020204" pitchFamily="34" charset="-122"/>
-            </a:endParaRPr>
-          </a:p>
-          <a:p>
-            <a:pPr lvl="0"/>
-            <a:endParaRPr lang="zh-TW" altLang="zh-TW" kern="1200" dirty="0" smtClean="0">
-              <a:latin typeface="Microsoft YaHei" panose="020B0503020204020204" pitchFamily="34" charset="-122"/>
-              <a:ea typeface="Microsoft YaHei" panose="020B0503020204020204" pitchFamily="34" charset="-122"/>
-            </a:endParaRPr>
-          </a:p>
-          <a:p>
-            <a:r>
-              <a:rPr lang="zh-TW" altLang="en-US" kern="1200" dirty="0" smtClean="0">
-                <a:latin typeface="Microsoft YaHei" panose="020B0503020204020204" pitchFamily="34" charset="-122"/>
-                <a:ea typeface="Microsoft YaHei" panose="020B0503020204020204" pitchFamily="34" charset="-122"/>
-              </a:rPr>
-              <a:t>* </a:t>
-            </a:r>
-            <a:r>
-              <a:rPr lang="en-US" altLang="zh-TW" kern="1200" dirty="0" smtClean="0">
-                <a:latin typeface="Microsoft YaHei" panose="020B0503020204020204" pitchFamily="34" charset="-122"/>
-                <a:ea typeface="Microsoft YaHei" panose="020B0503020204020204" pitchFamily="34" charset="-122"/>
-              </a:rPr>
-              <a:t>jQuery</a:t>
-            </a:r>
-            <a:r>
-              <a:rPr lang="zh-TW" altLang="zh-TW" kern="1200" dirty="0">
-                <a:latin typeface="Microsoft YaHei" panose="020B0503020204020204" pitchFamily="34" charset="-122"/>
-                <a:ea typeface="Microsoft YaHei" panose="020B0503020204020204" pitchFamily="34" charset="-122"/>
-              </a:rPr>
-              <a:t>是一套跨瀏覽器且開源的</a:t>
-            </a:r>
-            <a:r>
-              <a:rPr lang="en-US" altLang="zh-TW" kern="1200" dirty="0" err="1">
-                <a:latin typeface="Microsoft YaHei" panose="020B0503020204020204" pitchFamily="34" charset="-122"/>
-                <a:ea typeface="Microsoft YaHei" panose="020B0503020204020204" pitchFamily="34" charset="-122"/>
-              </a:rPr>
-              <a:t>Javascript</a:t>
-            </a:r>
-            <a:r>
-              <a:rPr lang="zh-TW" altLang="zh-TW" kern="1200" dirty="0">
-                <a:latin typeface="Microsoft YaHei" panose="020B0503020204020204" pitchFamily="34" charset="-122"/>
-                <a:ea typeface="Microsoft YaHei" panose="020B0503020204020204" pitchFamily="34" charset="-122"/>
-              </a:rPr>
-              <a:t>函式庫，是最受歡迎的</a:t>
-            </a:r>
-            <a:r>
-              <a:rPr lang="en-US" altLang="zh-TW" kern="1200" dirty="0">
-                <a:latin typeface="Microsoft YaHei" panose="020B0503020204020204" pitchFamily="34" charset="-122"/>
-                <a:ea typeface="Microsoft YaHei" panose="020B0503020204020204" pitchFamily="34" charset="-122"/>
-              </a:rPr>
-              <a:t>JavaScript</a:t>
-            </a:r>
-            <a:r>
-              <a:rPr lang="zh-TW" altLang="zh-TW" kern="1200" dirty="0">
-                <a:latin typeface="Microsoft YaHei" panose="020B0503020204020204" pitchFamily="34" charset="-122"/>
-                <a:ea typeface="Microsoft YaHei" panose="020B0503020204020204" pitchFamily="34" charset="-122"/>
-              </a:rPr>
-              <a:t>函式庫之一</a:t>
-            </a:r>
-            <a:endParaRPr lang="zh-TW" altLang="en-US" kern="1200" dirty="0">
-              <a:latin typeface="Microsoft YaHei" panose="020B0503020204020204" pitchFamily="34" charset="-122"/>
-              <a:ea typeface="Microsoft YaHei" panose="020B0503020204020204" pitchFamily="34" charset="-122"/>
+            <a:r>
+              <a:rPr lang="zh-TW" altLang="en-US" dirty="0" smtClean="0">
+                <a:solidFill>
+                  <a:srgbClr val="262626"/>
+                </a:solidFill>
+                <a:latin typeface="Microsoft Yahei"/>
+                <a:ea typeface="Microsoft Yahei"/>
+                <a:cs typeface="Microsoft Yahei"/>
+              </a:rPr>
+              <a:t>目前進度</a:t>
+            </a:r>
+            <a:endParaRPr lang="zh-TW" altLang="en-US" dirty="0">
+              <a:solidFill>
+                <a:srgbClr val="262626"/>
+              </a:solidFill>
+              <a:latin typeface="Microsoft Yahei"/>
+              <a:ea typeface="Microsoft Yahei"/>
+              <a:cs typeface="Microsoft Yahei"/>
             </a:endParaRPr>
           </a:p>
         </p:txBody>
       </p:sp>
     </p:spTree>
+    <p:extLst>
+      <p:ext uri="{BB962C8B-B14F-4D97-AF65-F5344CB8AC3E}">
+        <p14:creationId xmlns:p14="http://schemas.microsoft.com/office/powerpoint/2010/main" val="2823289329"/>
+      </p:ext>
+    </p:extLst>
   </p:cSld>
   <p:clrMapOvr>
     <a:masterClrMapping/>
@@ -13892,7 +14217,7 @@
         <p:fade/>
       </p:transition>
     </mc:Choice>
-    <mc:Fallback xmlns:ahyp="http://schemas.microsoft.com/office/drawing/2018/hyperlinkcolor" xmlns:p15="http://schemas.microsoft.com/office/powerpoint/2012/main" xmlns:com="http://schemas.openxmlformats.org/drawingml/2006/compatibility" xmlns:pvml="urn:schemas-microsoft-com:office:powerpoint" xmlns:v="urn:schemas-microsoft-com:vml" xmlns:o="urn:schemas-microsoft-com:office:office" xmlns:dgm="http://schemas.openxmlformats.org/drawingml/2006/diagram" xmlns:c="http://schemas.openxmlformats.org/drawingml/2006/chart" xmlns:mv="urn:schemas-microsoft-com:mac:vml" xmlns="">
+    <mc:Fallback xmlns="" xmlns:mv="urn:schemas-microsoft-com:mac:vml" xmlns:c="http://schemas.openxmlformats.org/drawingml/2006/chart" xmlns:dgm="http://schemas.openxmlformats.org/drawingml/2006/diagram" xmlns:o="urn:schemas-microsoft-com:office:office" xmlns:v="urn:schemas-microsoft-com:vml" xmlns:pvml="urn:schemas-microsoft-com:office:powerpoint" xmlns:com="http://schemas.openxmlformats.org/drawingml/2006/compatibility" xmlns:p15="http://schemas.microsoft.com/office/powerpoint/2012/main" xmlns:ahyp="http://schemas.microsoft.com/office/drawing/2018/hyperlinkcolor">
       <p:transition spd="slow">
         <p:fade/>
       </p:transition>
@@ -13935,7 +14260,7 @@
                                           </p:stCondLst>
                                         </p:cTn>
                                         <p:tgtEl>
-                                          <p:spTgt spid="235"/>
+                                          <p:spTgt spid="13"/>
                                         </p:tgtEl>
                                         <p:attrNameLst>
                                           <p:attrName>style.visibility</p:attrName>
@@ -13949,7 +14274,7 @@
                                       <p:cBhvr additive="base">
                                         <p:cTn id="7" dur="500"/>
                                         <p:tgtEl>
-                                          <p:spTgt spid="235"/>
+                                          <p:spTgt spid="13"/>
                                         </p:tgtEl>
                                         <p:attrNameLst>
                                           <p:attrName>ppt_x</p:attrName>
@@ -13994,7 +14319,7 @@
                                           </p:stCondLst>
                                         </p:cTn>
                                         <p:tgtEl>
-                                          <p:spTgt spid="234"/>
+                                          <p:spTgt spid="12"/>
                                         </p:tgtEl>
                                         <p:attrNameLst>
                                           <p:attrName>style.visibility</p:attrName>
@@ -14008,7 +14333,7 @@
                                       <p:cBhvr>
                                         <p:cTn id="11" dur="500"/>
                                         <p:tgtEl>
-                                          <p:spTgt spid="234"/>
+                                          <p:spTgt spid="12"/>
                                         </p:tgtEl>
                                       </p:cBhvr>
                                     </p:animEffect>
@@ -14171,7 +14496,7 @@
       </p:sp>
       <p:pic>
         <p:nvPicPr>
-          <p:cNvPr id="3" name="圖片 2"/>
+          <p:cNvPr id="4" name="圖片 3"/>
           <p:cNvPicPr>
             <a:picLocks noChangeAspect="1"/>
           </p:cNvPicPr>
@@ -14191,20 +14516,163 @@
         </p:blipFill>
         <p:spPr>
           <a:xfrm>
-            <a:off x="1150865" y="745906"/>
-            <a:ext cx="5850010" cy="4397593"/>
+            <a:off x="1933205" y="2100065"/>
+            <a:ext cx="5277587" cy="2829320"/>
           </a:xfrm>
           <a:prstGeom prst="rect">
             <a:avLst/>
           </a:prstGeom>
         </p:spPr>
       </p:pic>
+      <p:sp>
+        <p:nvSpPr>
+          <p:cNvPr id="22" name="文字方塊 21"/>
+          <p:cNvSpPr txBox="1"/>
+          <p:nvPr/>
+        </p:nvSpPr>
+        <p:spPr>
+          <a:xfrm>
+            <a:off x="501585" y="933580"/>
+            <a:ext cx="7195047" cy="738664"/>
+          </a:xfrm>
+          <a:prstGeom prst="rect">
+            <a:avLst/>
+          </a:prstGeom>
+          <a:noFill/>
+        </p:spPr>
+        <p:txBody>
+          <a:bodyPr wrap="none" rtlCol="0">
+            <a:spAutoFit/>
+          </a:bodyPr>
+          <a:lstStyle/>
+          <a:p>
+            <a:pPr lvl="0"/>
+            <a:r>
+              <a:rPr lang="zh-TW" altLang="zh-TW" kern="1200" dirty="0">
+                <a:latin typeface="Microsoft YaHei" panose="020B0503020204020204" pitchFamily="34" charset="-122"/>
+                <a:ea typeface="Microsoft YaHei" panose="020B0503020204020204" pitchFamily="34" charset="-122"/>
+              </a:rPr>
+              <a:t>網頁使用</a:t>
+            </a:r>
+            <a:r>
+              <a:rPr lang="en-US" altLang="zh-TW" kern="1200" dirty="0" err="1">
+                <a:latin typeface="Microsoft YaHei" panose="020B0503020204020204" pitchFamily="34" charset="-122"/>
+                <a:ea typeface="Microsoft YaHei" panose="020B0503020204020204" pitchFamily="34" charset="-122"/>
+              </a:rPr>
+              <a:t>Javascript</a:t>
+            </a:r>
+            <a:r>
+              <a:rPr lang="zh-TW" altLang="zh-TW" kern="1200" dirty="0">
+                <a:latin typeface="Microsoft YaHei" panose="020B0503020204020204" pitchFamily="34" charset="-122"/>
+                <a:ea typeface="Microsoft YaHei" panose="020B0503020204020204" pitchFamily="34" charset="-122"/>
+              </a:rPr>
+              <a:t>作為主要開發工具</a:t>
+            </a:r>
+            <a:r>
+              <a:rPr lang="zh-TW" altLang="en-US" kern="1200" dirty="0">
+                <a:latin typeface="Microsoft YaHei" panose="020B0503020204020204" pitchFamily="34" charset="-122"/>
+                <a:ea typeface="Microsoft YaHei" panose="020B0503020204020204" pitchFamily="34" charset="-122"/>
+              </a:rPr>
+              <a:t>，並</a:t>
+            </a:r>
+            <a:r>
+              <a:rPr lang="zh-TW" altLang="zh-TW" kern="1200" dirty="0">
+                <a:latin typeface="Microsoft YaHei" panose="020B0503020204020204" pitchFamily="34" charset="-122"/>
+                <a:ea typeface="Microsoft YaHei" panose="020B0503020204020204" pitchFamily="34" charset="-122"/>
+              </a:rPr>
+              <a:t>使用</a:t>
+            </a:r>
+            <a:r>
+              <a:rPr lang="en-US" altLang="zh-TW" kern="1200" dirty="0">
+                <a:latin typeface="Microsoft YaHei" panose="020B0503020204020204" pitchFamily="34" charset="-122"/>
+                <a:ea typeface="Microsoft YaHei" panose="020B0503020204020204" pitchFamily="34" charset="-122"/>
+              </a:rPr>
+              <a:t>jQuery</a:t>
+            </a:r>
+            <a:r>
+              <a:rPr lang="zh-TW" altLang="zh-TW" kern="1200" dirty="0">
+                <a:latin typeface="Microsoft YaHei" panose="020B0503020204020204" pitchFamily="34" charset="-122"/>
+                <a:ea typeface="Microsoft YaHei" panose="020B0503020204020204" pitchFamily="34" charset="-122"/>
+              </a:rPr>
+              <a:t>產生</a:t>
+            </a:r>
+            <a:r>
+              <a:rPr lang="en-US" altLang="zh-TW" kern="1200" dirty="0" err="1" smtClean="0">
+                <a:latin typeface="Microsoft YaHei" panose="020B0503020204020204" pitchFamily="34" charset="-122"/>
+                <a:ea typeface="Microsoft YaHei" panose="020B0503020204020204" pitchFamily="34" charset="-122"/>
+              </a:rPr>
+              <a:t>QRCode</a:t>
+            </a:r>
+            <a:endParaRPr lang="en-US" altLang="zh-TW" kern="1200" dirty="0" smtClean="0">
+              <a:latin typeface="Microsoft YaHei" panose="020B0503020204020204" pitchFamily="34" charset="-122"/>
+              <a:ea typeface="Microsoft YaHei" panose="020B0503020204020204" pitchFamily="34" charset="-122"/>
+            </a:endParaRPr>
+          </a:p>
+          <a:p>
+            <a:pPr lvl="0"/>
+            <a:endParaRPr lang="zh-TW" altLang="zh-TW" kern="1200" dirty="0" smtClean="0">
+              <a:latin typeface="Microsoft YaHei" panose="020B0503020204020204" pitchFamily="34" charset="-122"/>
+              <a:ea typeface="Microsoft YaHei" panose="020B0503020204020204" pitchFamily="34" charset="-122"/>
+            </a:endParaRPr>
+          </a:p>
+          <a:p>
+            <a:r>
+              <a:rPr lang="zh-TW" altLang="en-US" kern="1200" dirty="0" smtClean="0">
+                <a:latin typeface="Microsoft YaHei" panose="020B0503020204020204" pitchFamily="34" charset="-122"/>
+                <a:ea typeface="Microsoft YaHei" panose="020B0503020204020204" pitchFamily="34" charset="-122"/>
+              </a:rPr>
+              <a:t>* </a:t>
+            </a:r>
+            <a:r>
+              <a:rPr lang="en-US" altLang="zh-TW" kern="1200" dirty="0" smtClean="0">
+                <a:latin typeface="Microsoft YaHei" panose="020B0503020204020204" pitchFamily="34" charset="-122"/>
+                <a:ea typeface="Microsoft YaHei" panose="020B0503020204020204" pitchFamily="34" charset="-122"/>
+              </a:rPr>
+              <a:t>jQuery</a:t>
+            </a:r>
+            <a:r>
+              <a:rPr lang="zh-TW" altLang="zh-TW" kern="1200" dirty="0">
+                <a:latin typeface="Microsoft YaHei" panose="020B0503020204020204" pitchFamily="34" charset="-122"/>
+                <a:ea typeface="Microsoft YaHei" panose="020B0503020204020204" pitchFamily="34" charset="-122"/>
+              </a:rPr>
+              <a:t>是一套跨瀏覽器且開源的</a:t>
+            </a:r>
+            <a:r>
+              <a:rPr lang="en-US" altLang="zh-TW" kern="1200" dirty="0" err="1">
+                <a:latin typeface="Microsoft YaHei" panose="020B0503020204020204" pitchFamily="34" charset="-122"/>
+                <a:ea typeface="Microsoft YaHei" panose="020B0503020204020204" pitchFamily="34" charset="-122"/>
+              </a:rPr>
+              <a:t>Javascript</a:t>
+            </a:r>
+            <a:r>
+              <a:rPr lang="zh-TW" altLang="zh-TW" kern="1200" dirty="0">
+                <a:latin typeface="Microsoft YaHei" panose="020B0503020204020204" pitchFamily="34" charset="-122"/>
+                <a:ea typeface="Microsoft YaHei" panose="020B0503020204020204" pitchFamily="34" charset="-122"/>
+              </a:rPr>
+              <a:t>函式庫，是最受歡迎的</a:t>
+            </a:r>
+            <a:r>
+              <a:rPr lang="en-US" altLang="zh-TW" kern="1200" dirty="0">
+                <a:latin typeface="Microsoft YaHei" panose="020B0503020204020204" pitchFamily="34" charset="-122"/>
+                <a:ea typeface="Microsoft YaHei" panose="020B0503020204020204" pitchFamily="34" charset="-122"/>
+              </a:rPr>
+              <a:t>JavaScript</a:t>
+            </a:r>
+            <a:r>
+              <a:rPr lang="zh-TW" altLang="zh-TW" kern="1200" dirty="0">
+                <a:latin typeface="Microsoft YaHei" panose="020B0503020204020204" pitchFamily="34" charset="-122"/>
+                <a:ea typeface="Microsoft YaHei" panose="020B0503020204020204" pitchFamily="34" charset="-122"/>
+              </a:rPr>
+              <a:t>函式庫之一</a:t>
+            </a:r>
+            <a:endParaRPr lang="zh-TW" altLang="en-US" kern="1200" dirty="0">
+              <a:latin typeface="Microsoft YaHei" panose="020B0503020204020204" pitchFamily="34" charset="-122"/>
+              <a:ea typeface="Microsoft YaHei" panose="020B0503020204020204" pitchFamily="34" charset="-122"/>
+            </a:endParaRPr>
+          </a:p>
+        </p:txBody>
+      </p:sp>
     </p:spTree>
-    <p:extLst>
-      <p:ext uri="{BB962C8B-B14F-4D97-AF65-F5344CB8AC3E}">
-        <p14:creationId xmlns:p14="http://schemas.microsoft.com/office/powerpoint/2010/main" val="4246573454"/>
-      </p:ext>
-    </p:extLst>
   </p:cSld>
   <p:clrMapOvr>
     <a:masterClrMapping/>
@@ -14215,7 +14683,7 @@
         <p:fade/>
       </p:transition>
     </mc:Choice>
-    <mc:Fallback xmlns:ahyp="http://schemas.microsoft.com/office/drawing/2018/hyperlinkcolor" xmlns:p15="http://schemas.microsoft.com/office/powerpoint/2012/main" xmlns:com="http://schemas.openxmlformats.org/drawingml/2006/compatibility" xmlns:pvml="urn:schemas-microsoft-com:office:powerpoint" xmlns:v="urn:schemas-microsoft-com:vml" xmlns:o="urn:schemas-microsoft-com:office:office" xmlns:dgm="http://schemas.openxmlformats.org/drawingml/2006/diagram" xmlns:c="http://schemas.openxmlformats.org/drawingml/2006/chart" xmlns:mv="urn:schemas-microsoft-com:mac:vml" xmlns="">
+    <mc:Fallback xmlns="" xmlns:mv="urn:schemas-microsoft-com:mac:vml" xmlns:c="http://schemas.openxmlformats.org/drawingml/2006/chart" xmlns:dgm="http://schemas.openxmlformats.org/drawingml/2006/diagram" xmlns:o="urn:schemas-microsoft-com:office:office" xmlns:v="urn:schemas-microsoft-com:vml" xmlns:pvml="urn:schemas-microsoft-com:office:powerpoint" xmlns:com="http://schemas.openxmlformats.org/drawingml/2006/compatibility" xmlns:p15="http://schemas.microsoft.com/office/powerpoint/2012/main" xmlns:ahyp="http://schemas.microsoft.com/office/drawing/2018/hyperlinkcolor">
       <p:transition spd="slow">
         <p:fade/>
       </p:transition>
@@ -14374,7 +14842,7 @@
   <p:cSld>
     <p:spTree>
       <p:nvGrpSpPr>
-        <p:cNvPr id="1" name="Shape 243"/>
+        <p:cNvPr id="1" name="Shape 218"/>
         <p:cNvGrpSpPr/>
         <p:nvPr/>
       </p:nvGrpSpPr>
@@ -14388,14 +14856,14 @@
       </p:grpSpPr>
       <p:sp>
         <p:nvSpPr>
-          <p:cNvPr id="244" name="Google Shape;244;p11"/>
+          <p:cNvPr id="234" name="Google Shape;234;p10"/>
           <p:cNvSpPr/>
           <p:nvPr/>
         </p:nvSpPr>
         <p:spPr>
           <a:xfrm>
             <a:off x="476188" y="177842"/>
-            <a:ext cx="2324162" cy="461624"/>
+            <a:ext cx="2236506" cy="461663"/>
           </a:xfrm>
           <a:prstGeom prst="rect">
             <a:avLst/>
@@ -14411,39 +14879,21 @@
           </a:bodyPr>
           <a:lstStyle/>
           <a:p>
-            <a:pPr marL="0" marR="0" lvl="0" indent="0" algn="l" rtl="0">
-              <a:spcBef>
-                <a:spcPts val="0"/>
-              </a:spcBef>
-              <a:spcAft>
-                <a:spcPts val="0"/>
-              </a:spcAft>
+            <a:pPr>
               <a:buClr>
                 <a:schemeClr val="accent1"/>
               </a:buClr>
               <a:buSzPts val="2400"/>
-              <a:buFont typeface="Arial"/>
-              <a:buNone/>
             </a:pPr>
             <a:r>
-              <a:rPr lang="zh-TW" altLang="en-US" sz="2400" b="1" dirty="0">
+              <a:rPr lang="zh-TW" altLang="en-US" sz="2400" b="1" dirty="0" smtClean="0">
                 <a:solidFill>
                   <a:schemeClr val="accent1"/>
                 </a:solidFill>
                 <a:latin typeface="Microsoft YaHei" panose="020B0503020204020204" pitchFamily="34" charset="-122"/>
                 <a:ea typeface="Microsoft YaHei" panose="020B0503020204020204" pitchFamily="34" charset="-122"/>
               </a:rPr>
-              <a:t>小型</a:t>
-            </a:r>
-            <a:r>
-              <a:rPr lang="zh-TW" altLang="en-US" sz="2400" b="1" dirty="0" smtClean="0">
-                <a:solidFill>
-                  <a:schemeClr val="accent1"/>
-                </a:solidFill>
-                <a:latin typeface="Microsoft YaHei" panose="020B0503020204020204" pitchFamily="34" charset="-122"/>
-                <a:ea typeface="Microsoft YaHei" panose="020B0503020204020204" pitchFamily="34" charset="-122"/>
-              </a:rPr>
-              <a:t>電梯</a:t>
+              <a:t>網頁開發</a:t>
             </a:r>
             <a:endParaRPr sz="2400" b="1" dirty="0">
               <a:solidFill>
@@ -14457,7 +14907,7 @@
       </p:sp>
       <p:sp>
         <p:nvSpPr>
-          <p:cNvPr id="245" name="Google Shape;245;p11"/>
+          <p:cNvPr id="235" name="Google Shape;235;p10"/>
           <p:cNvSpPr/>
           <p:nvPr/>
         </p:nvSpPr>
@@ -14512,7 +14962,7 @@
       </p:sp>
       <p:pic>
         <p:nvPicPr>
-          <p:cNvPr id="2" name="圖片 1"/>
+          <p:cNvPr id="3" name="圖片 2"/>
           <p:cNvPicPr>
             <a:picLocks noChangeAspect="1"/>
           </p:cNvPicPr>
@@ -14532,8 +14982,8 @@
         </p:blipFill>
         <p:spPr>
           <a:xfrm>
-            <a:off x="501585" y="698662"/>
-            <a:ext cx="7486706" cy="4012407"/>
+            <a:off x="1150865" y="745906"/>
+            <a:ext cx="5850010" cy="4397593"/>
           </a:xfrm>
           <a:prstGeom prst="rect">
             <a:avLst/>
@@ -14541,6 +14991,11 @@
         </p:spPr>
       </p:pic>
     </p:spTree>
+    <p:extLst>
+      <p:ext uri="{BB962C8B-B14F-4D97-AF65-F5344CB8AC3E}">
+        <p14:creationId xmlns:p14="http://schemas.microsoft.com/office/powerpoint/2010/main" val="4246573454"/>
+      </p:ext>
+    </p:extLst>
   </p:cSld>
   <p:clrMapOvr>
     <a:masterClrMapping/>
@@ -14551,7 +15006,7 @@
         <p:fade/>
       </p:transition>
     </mc:Choice>
-    <mc:Fallback xmlns:ahyp="http://schemas.microsoft.com/office/drawing/2018/hyperlinkcolor" xmlns:p15="http://schemas.microsoft.com/office/powerpoint/2012/main" xmlns:com="http://schemas.openxmlformats.org/drawingml/2006/compatibility" xmlns:pvml="urn:schemas-microsoft-com:office:powerpoint" xmlns:v="urn:schemas-microsoft-com:vml" xmlns:o="urn:schemas-microsoft-com:office:office" xmlns:dgm="http://schemas.openxmlformats.org/drawingml/2006/diagram" xmlns:c="http://schemas.openxmlformats.org/drawingml/2006/chart" xmlns:mv="urn:schemas-microsoft-com:mac:vml" xmlns="">
+    <mc:Fallback xmlns="" xmlns:mv="urn:schemas-microsoft-com:mac:vml" xmlns:c="http://schemas.openxmlformats.org/drawingml/2006/chart" xmlns:dgm="http://schemas.openxmlformats.org/drawingml/2006/diagram" xmlns:o="urn:schemas-microsoft-com:office:office" xmlns:v="urn:schemas-microsoft-com:vml" xmlns:pvml="urn:schemas-microsoft-com:office:powerpoint" xmlns:com="http://schemas.openxmlformats.org/drawingml/2006/compatibility" xmlns:p15="http://schemas.microsoft.com/office/powerpoint/2012/main" xmlns:ahyp="http://schemas.microsoft.com/office/drawing/2018/hyperlinkcolor">
       <p:transition spd="slow">
         <p:fade/>
       </p:transition>
@@ -14594,7 +15049,7 @@
                                           </p:stCondLst>
                                         </p:cTn>
                                         <p:tgtEl>
-                                          <p:spTgt spid="245"/>
+                                          <p:spTgt spid="235"/>
                                         </p:tgtEl>
                                         <p:attrNameLst>
                                           <p:attrName>style.visibility</p:attrName>
@@ -14608,7 +15063,7 @@
                                       <p:cBhvr additive="base">
                                         <p:cTn id="7" dur="500"/>
                                         <p:tgtEl>
-                                          <p:spTgt spid="245"/>
+                                          <p:spTgt spid="235"/>
                                         </p:tgtEl>
                                         <p:attrNameLst>
                                           <p:attrName>ppt_x</p:attrName>
@@ -14653,7 +15108,7 @@
                                           </p:stCondLst>
                                         </p:cTn>
                                         <p:tgtEl>
-                                          <p:spTgt spid="244"/>
+                                          <p:spTgt spid="234"/>
                                         </p:tgtEl>
                                         <p:attrNameLst>
                                           <p:attrName>style.visibility</p:attrName>
@@ -14667,7 +15122,7 @@
                                       <p:cBhvr>
                                         <p:cTn id="11" dur="500"/>
                                         <p:tgtEl>
-                                          <p:spTgt spid="244"/>
+                                          <p:spTgt spid="234"/>
                                         </p:tgtEl>
                                       </p:cBhvr>
                                     </p:animEffect>
@@ -14846,306 +15301,9 @@
           </a:p>
         </p:txBody>
       </p:sp>
-      <p:sp>
-        <p:nvSpPr>
-          <p:cNvPr id="3" name="文字方塊 2"/>
-          <p:cNvSpPr txBox="1"/>
-          <p:nvPr/>
-        </p:nvSpPr>
-        <p:spPr>
-          <a:xfrm>
-            <a:off x="501584" y="698662"/>
-            <a:ext cx="5823015" cy="3477875"/>
-          </a:xfrm>
-          <a:prstGeom prst="rect">
-            <a:avLst/>
-          </a:prstGeom>
-          <a:noFill/>
-        </p:spPr>
-        <p:txBody>
-          <a:bodyPr wrap="square" rtlCol="0">
-            <a:spAutoFit/>
-          </a:bodyPr>
-          <a:lstStyle/>
-          <a:p>
-            <a:r>
-              <a:rPr lang="zh-TW" altLang="zh-TW" sz="2000" kern="1200" dirty="0">
-                <a:latin typeface="Microsoft YaHei" panose="020B0503020204020204" pitchFamily="34" charset="-122"/>
-                <a:ea typeface="Microsoft YaHei" panose="020B0503020204020204" pitchFamily="34" charset="-122"/>
-              </a:rPr>
-              <a:t>預計會使用的材料如下</a:t>
-            </a:r>
-            <a:r>
-              <a:rPr lang="zh-TW" altLang="zh-TW" sz="2000" kern="1200" dirty="0" smtClean="0">
-                <a:latin typeface="Microsoft YaHei" panose="020B0503020204020204" pitchFamily="34" charset="-122"/>
-                <a:ea typeface="Microsoft YaHei" panose="020B0503020204020204" pitchFamily="34" charset="-122"/>
-              </a:rPr>
-              <a:t>：</a:t>
-            </a:r>
-            <a:endParaRPr lang="en-US" altLang="zh-TW" sz="2000" kern="1200" dirty="0" smtClean="0">
-              <a:latin typeface="Microsoft YaHei" panose="020B0503020204020204" pitchFamily="34" charset="-122"/>
-              <a:ea typeface="Microsoft YaHei" panose="020B0503020204020204" pitchFamily="34" charset="-122"/>
-            </a:endParaRPr>
-          </a:p>
-          <a:p>
-            <a:endParaRPr lang="zh-TW" altLang="zh-TW" sz="2000" kern="1200" dirty="0">
-              <a:latin typeface="Microsoft YaHei" panose="020B0503020204020204" pitchFamily="34" charset="-122"/>
-              <a:ea typeface="Microsoft YaHei" panose="020B0503020204020204" pitchFamily="34" charset="-122"/>
-            </a:endParaRPr>
-          </a:p>
-          <a:p>
-            <a:pPr lvl="1"/>
-            <a:r>
-              <a:rPr lang="zh-TW" altLang="en-US" sz="2000" kern="1200" dirty="0" smtClean="0">
-                <a:latin typeface="Microsoft YaHei" panose="020B0503020204020204" pitchFamily="34" charset="-122"/>
-                <a:ea typeface="Microsoft YaHei" panose="020B0503020204020204" pitchFamily="34" charset="-122"/>
-              </a:rPr>
-              <a:t>  </a:t>
-            </a:r>
-            <a:r>
-              <a:rPr lang="en-US" altLang="zh-TW" sz="2000" kern="1200" dirty="0" smtClean="0">
-                <a:latin typeface="Microsoft YaHei" panose="020B0503020204020204" pitchFamily="34" charset="-122"/>
-                <a:ea typeface="Microsoft YaHei" panose="020B0503020204020204" pitchFamily="34" charset="-122"/>
-              </a:rPr>
-              <a:t>Arduino </a:t>
-            </a:r>
-            <a:r>
-              <a:rPr lang="en-US" altLang="zh-TW" sz="2000" kern="1200" dirty="0">
-                <a:latin typeface="Microsoft YaHei" panose="020B0503020204020204" pitchFamily="34" charset="-122"/>
-                <a:ea typeface="Microsoft YaHei" panose="020B0503020204020204" pitchFamily="34" charset="-122"/>
-              </a:rPr>
-              <a:t>Uno R3</a:t>
-            </a:r>
-            <a:r>
-              <a:rPr lang="zh-TW" altLang="zh-TW" sz="2000" kern="1200" dirty="0">
-                <a:latin typeface="Microsoft YaHei" panose="020B0503020204020204" pitchFamily="34" charset="-122"/>
-                <a:ea typeface="Microsoft YaHei" panose="020B0503020204020204" pitchFamily="34" charset="-122"/>
-              </a:rPr>
-              <a:t>　一塊</a:t>
-            </a:r>
-          </a:p>
-          <a:p>
-            <a:pPr lvl="1"/>
-            <a:r>
-              <a:rPr lang="zh-TW" altLang="en-US" sz="2000" kern="1200" dirty="0" smtClean="0">
-                <a:latin typeface="Microsoft YaHei" panose="020B0503020204020204" pitchFamily="34" charset="-122"/>
-                <a:ea typeface="Microsoft YaHei" panose="020B0503020204020204" pitchFamily="34" charset="-122"/>
-              </a:rPr>
-              <a:t>  </a:t>
-            </a:r>
-            <a:r>
-              <a:rPr lang="en-US" altLang="zh-TW" sz="2000" kern="1200" dirty="0" smtClean="0">
-                <a:latin typeface="Microsoft YaHei" panose="020B0503020204020204" pitchFamily="34" charset="-122"/>
-                <a:ea typeface="Microsoft YaHei" panose="020B0503020204020204" pitchFamily="34" charset="-122"/>
-              </a:rPr>
-              <a:t>LCD </a:t>
-            </a:r>
-            <a:r>
-              <a:rPr lang="en-US" altLang="zh-TW" sz="2000" kern="1200" dirty="0">
-                <a:latin typeface="Microsoft YaHei" panose="020B0503020204020204" pitchFamily="34" charset="-122"/>
-                <a:ea typeface="Microsoft YaHei" panose="020B0503020204020204" pitchFamily="34" charset="-122"/>
-              </a:rPr>
-              <a:t>16x2</a:t>
-            </a:r>
-            <a:r>
-              <a:rPr lang="zh-TW" altLang="zh-TW" sz="2000" kern="1200" dirty="0">
-                <a:latin typeface="Microsoft YaHei" panose="020B0503020204020204" pitchFamily="34" charset="-122"/>
-                <a:ea typeface="Microsoft YaHei" panose="020B0503020204020204" pitchFamily="34" charset="-122"/>
-              </a:rPr>
-              <a:t>顯示板 一塊</a:t>
-            </a:r>
-          </a:p>
-          <a:p>
-            <a:pPr lvl="1"/>
-            <a:r>
-              <a:rPr lang="zh-TW" altLang="en-US" sz="2000" kern="1200" dirty="0" smtClean="0">
-                <a:latin typeface="Microsoft YaHei" panose="020B0503020204020204" pitchFamily="34" charset="-122"/>
-                <a:ea typeface="Microsoft YaHei" panose="020B0503020204020204" pitchFamily="34" charset="-122"/>
-              </a:rPr>
-              <a:t>  </a:t>
-            </a:r>
-            <a:r>
-              <a:rPr lang="zh-TW" altLang="zh-TW" sz="2000" kern="1200" dirty="0" smtClean="0">
-                <a:latin typeface="Microsoft YaHei" panose="020B0503020204020204" pitchFamily="34" charset="-122"/>
-                <a:ea typeface="Microsoft YaHei" panose="020B0503020204020204" pitchFamily="34" charset="-122"/>
-              </a:rPr>
-              <a:t>直流</a:t>
-            </a:r>
-            <a:r>
-              <a:rPr lang="zh-TW" altLang="zh-TW" sz="2000" kern="1200" dirty="0">
-                <a:latin typeface="Microsoft YaHei" panose="020B0503020204020204" pitchFamily="34" charset="-122"/>
-                <a:ea typeface="Microsoft YaHei" panose="020B0503020204020204" pitchFamily="34" charset="-122"/>
-              </a:rPr>
-              <a:t>馬達 一顆</a:t>
-            </a:r>
-          </a:p>
-          <a:p>
-            <a:pPr lvl="1"/>
-            <a:r>
-              <a:rPr lang="zh-TW" altLang="en-US" sz="2000" kern="1200" dirty="0" smtClean="0">
-                <a:latin typeface="Microsoft YaHei" panose="020B0503020204020204" pitchFamily="34" charset="-122"/>
-                <a:ea typeface="Microsoft YaHei" panose="020B0503020204020204" pitchFamily="34" charset="-122"/>
-              </a:rPr>
-              <a:t>  </a:t>
-            </a:r>
-            <a:r>
-              <a:rPr lang="zh-TW" altLang="zh-TW" sz="2000" kern="1200" dirty="0" smtClean="0">
-                <a:latin typeface="Microsoft YaHei" panose="020B0503020204020204" pitchFamily="34" charset="-122"/>
-                <a:ea typeface="Microsoft YaHei" panose="020B0503020204020204" pitchFamily="34" charset="-122"/>
-              </a:rPr>
-              <a:t>電路板 </a:t>
-            </a:r>
-            <a:r>
-              <a:rPr lang="zh-TW" altLang="zh-TW" sz="2000" kern="1200" dirty="0">
-                <a:latin typeface="Microsoft YaHei" panose="020B0503020204020204" pitchFamily="34" charset="-122"/>
-                <a:ea typeface="Microsoft YaHei" panose="020B0503020204020204" pitchFamily="34" charset="-122"/>
-              </a:rPr>
-              <a:t>兩塊</a:t>
-            </a:r>
-          </a:p>
-          <a:p>
-            <a:pPr lvl="1"/>
-            <a:r>
-              <a:rPr lang="zh-TW" altLang="en-US" sz="2000" kern="1200" dirty="0" smtClean="0">
-                <a:latin typeface="Microsoft YaHei" panose="020B0503020204020204" pitchFamily="34" charset="-122"/>
-                <a:ea typeface="Microsoft YaHei" panose="020B0503020204020204" pitchFamily="34" charset="-122"/>
-              </a:rPr>
-              <a:t>  </a:t>
-            </a:r>
-            <a:r>
-              <a:rPr lang="zh-TW" altLang="zh-TW" sz="2000" kern="1200" dirty="0" smtClean="0">
-                <a:latin typeface="Microsoft YaHei" panose="020B0503020204020204" pitchFamily="34" charset="-122"/>
-                <a:ea typeface="Microsoft YaHei" panose="020B0503020204020204" pitchFamily="34" charset="-122"/>
-              </a:rPr>
-              <a:t>電位器 </a:t>
-            </a:r>
-            <a:r>
-              <a:rPr lang="zh-TW" altLang="zh-TW" sz="2000" kern="1200" dirty="0">
-                <a:latin typeface="Microsoft YaHei" panose="020B0503020204020204" pitchFamily="34" charset="-122"/>
-                <a:ea typeface="Microsoft YaHei" panose="020B0503020204020204" pitchFamily="34" charset="-122"/>
-              </a:rPr>
-              <a:t>一顆</a:t>
-            </a:r>
-          </a:p>
-          <a:p>
-            <a:pPr lvl="1"/>
-            <a:r>
-              <a:rPr lang="zh-TW" altLang="en-US" sz="2000" kern="1200" dirty="0" smtClean="0">
-                <a:latin typeface="Microsoft YaHei" panose="020B0503020204020204" pitchFamily="34" charset="-122"/>
-                <a:ea typeface="Microsoft YaHei" panose="020B0503020204020204" pitchFamily="34" charset="-122"/>
-              </a:rPr>
-              <a:t>  </a:t>
-            </a:r>
-            <a:r>
-              <a:rPr lang="zh-TW" altLang="zh-TW" sz="2000" kern="1200" dirty="0" smtClean="0">
-                <a:latin typeface="Microsoft YaHei" panose="020B0503020204020204" pitchFamily="34" charset="-122"/>
-                <a:ea typeface="Microsoft YaHei" panose="020B0503020204020204" pitchFamily="34" charset="-122"/>
-              </a:rPr>
-              <a:t>馬達</a:t>
-            </a:r>
-            <a:r>
-              <a:rPr lang="zh-TW" altLang="zh-TW" sz="2000" kern="1200" dirty="0">
-                <a:latin typeface="Microsoft YaHei" panose="020B0503020204020204" pitchFamily="34" charset="-122"/>
-                <a:ea typeface="Microsoft YaHei" panose="020B0503020204020204" pitchFamily="34" charset="-122"/>
-              </a:rPr>
-              <a:t>驅動器 一顆</a:t>
-            </a:r>
-          </a:p>
-          <a:p>
-            <a:pPr lvl="1"/>
-            <a:r>
-              <a:rPr lang="zh-TW" altLang="en-US" sz="2000" kern="1200" dirty="0" smtClean="0">
-                <a:latin typeface="Microsoft YaHei" panose="020B0503020204020204" pitchFamily="34" charset="-122"/>
-                <a:ea typeface="Microsoft YaHei" panose="020B0503020204020204" pitchFamily="34" charset="-122"/>
-              </a:rPr>
-              <a:t>  </a:t>
-            </a:r>
-            <a:r>
-              <a:rPr lang="zh-TW" altLang="zh-TW" sz="2000" kern="1200" dirty="0" smtClean="0">
-                <a:latin typeface="Microsoft YaHei" panose="020B0503020204020204" pitchFamily="34" charset="-122"/>
-                <a:ea typeface="Microsoft YaHei" panose="020B0503020204020204" pitchFamily="34" charset="-122"/>
-              </a:rPr>
-              <a:t>電阻 </a:t>
-            </a:r>
-            <a:r>
-              <a:rPr lang="zh-TW" altLang="zh-TW" sz="2000" kern="1200" dirty="0">
-                <a:latin typeface="Microsoft YaHei" panose="020B0503020204020204" pitchFamily="34" charset="-122"/>
-                <a:ea typeface="Microsoft YaHei" panose="020B0503020204020204" pitchFamily="34" charset="-122"/>
-              </a:rPr>
-              <a:t>四塊</a:t>
-            </a:r>
-          </a:p>
-          <a:p>
-            <a:pPr lvl="1"/>
-            <a:r>
-              <a:rPr lang="zh-TW" altLang="en-US" sz="2000" kern="1200" dirty="0" smtClean="0">
-                <a:latin typeface="Microsoft YaHei" panose="020B0503020204020204" pitchFamily="34" charset="-122"/>
-                <a:ea typeface="Microsoft YaHei" panose="020B0503020204020204" pitchFamily="34" charset="-122"/>
-              </a:rPr>
-              <a:t>  </a:t>
-            </a:r>
-            <a:r>
-              <a:rPr lang="zh-TW" altLang="zh-TW" sz="2000" kern="1200" dirty="0" smtClean="0">
-                <a:latin typeface="Microsoft YaHei" panose="020B0503020204020204" pitchFamily="34" charset="-122"/>
-                <a:ea typeface="Microsoft YaHei" panose="020B0503020204020204" pitchFamily="34" charset="-122"/>
-              </a:rPr>
-              <a:t>按鈕 </a:t>
-            </a:r>
-            <a:r>
-              <a:rPr lang="zh-TW" altLang="zh-TW" sz="2000" kern="1200" dirty="0">
-                <a:latin typeface="Microsoft YaHei" panose="020B0503020204020204" pitchFamily="34" charset="-122"/>
-                <a:ea typeface="Microsoft YaHei" panose="020B0503020204020204" pitchFamily="34" charset="-122"/>
-              </a:rPr>
-              <a:t>三顆</a:t>
-            </a:r>
-          </a:p>
-          <a:p>
-            <a:pPr lvl="1"/>
-            <a:r>
-              <a:rPr lang="zh-TW" altLang="en-US" sz="2000" kern="1200" dirty="0">
-                <a:latin typeface="Microsoft YaHei" panose="020B0503020204020204" pitchFamily="34" charset="-122"/>
-                <a:ea typeface="Microsoft YaHei" panose="020B0503020204020204" pitchFamily="34" charset="-122"/>
-              </a:rPr>
-              <a:t> </a:t>
-            </a:r>
-            <a:r>
-              <a:rPr lang="zh-TW" altLang="en-US" sz="2000" kern="1200" dirty="0" smtClean="0">
-                <a:latin typeface="Microsoft YaHei" panose="020B0503020204020204" pitchFamily="34" charset="-122"/>
-                <a:ea typeface="Microsoft YaHei" panose="020B0503020204020204" pitchFamily="34" charset="-122"/>
-              </a:rPr>
-              <a:t> </a:t>
-            </a:r>
-            <a:r>
-              <a:rPr lang="zh-TW" altLang="zh-TW" sz="2000" kern="1200" dirty="0" smtClean="0">
-                <a:latin typeface="Microsoft YaHei" panose="020B0503020204020204" pitchFamily="34" charset="-122"/>
-                <a:ea typeface="Microsoft YaHei" panose="020B0503020204020204" pitchFamily="34" charset="-122"/>
-              </a:rPr>
-              <a:t>電線 </a:t>
-            </a:r>
-            <a:r>
-              <a:rPr lang="zh-TW" altLang="zh-TW" sz="2000" kern="1200" dirty="0">
-                <a:latin typeface="Microsoft YaHei" panose="020B0503020204020204" pitchFamily="34" charset="-122"/>
-                <a:ea typeface="Microsoft YaHei" panose="020B0503020204020204" pitchFamily="34" charset="-122"/>
-              </a:rPr>
-              <a:t>一</a:t>
-            </a:r>
-            <a:r>
-              <a:rPr lang="zh-TW" altLang="zh-TW" sz="2000" kern="1200" dirty="0">
-                <a:latin typeface="Microsoft YaHei" panose="020B0503020204020204" pitchFamily="34" charset="-122"/>
-                <a:ea typeface="Microsoft YaHei" panose="020B0503020204020204" pitchFamily="34" charset="-122"/>
-              </a:rPr>
-              <a:t>組</a:t>
-            </a:r>
-            <a:endParaRPr lang="zh-TW" altLang="zh-TW" sz="2000" kern="1200" dirty="0">
-              <a:latin typeface="Microsoft YaHei" panose="020B0503020204020204" pitchFamily="34" charset="-122"/>
-              <a:ea typeface="Microsoft YaHei" panose="020B0503020204020204" pitchFamily="34" charset="-122"/>
-            </a:endParaRPr>
-          </a:p>
-        </p:txBody>
-      </p:sp>
       <p:pic>
         <p:nvPicPr>
-          <p:cNvPr id="4" name="圖片 3"/>
+          <p:cNvPr id="2" name="圖片 1"/>
           <p:cNvPicPr>
             <a:picLocks noChangeAspect="1"/>
           </p:cNvPicPr>
@@ -15165,8 +15323,8 @@
         </p:blipFill>
         <p:spPr>
           <a:xfrm>
-            <a:off x="3853266" y="1641071"/>
-            <a:ext cx="4942666" cy="2971800"/>
+            <a:off x="501585" y="698662"/>
+            <a:ext cx="7486706" cy="4012407"/>
           </a:xfrm>
           <a:prstGeom prst="rect">
             <a:avLst/>
@@ -15174,11 +15332,6 @@
         </p:spPr>
       </p:pic>
     </p:spTree>
-    <p:extLst>
-      <p:ext uri="{BB962C8B-B14F-4D97-AF65-F5344CB8AC3E}">
-        <p14:creationId xmlns:p14="http://schemas.microsoft.com/office/powerpoint/2010/main" val="3992919587"/>
-      </p:ext>
-    </p:extLst>
   </p:cSld>
   <p:clrMapOvr>
     <a:masterClrMapping/>
@@ -15189,7 +15342,7 @@
         <p:fade/>
       </p:transition>
     </mc:Choice>
-    <mc:Fallback xmlns:ahyp="http://schemas.microsoft.com/office/drawing/2018/hyperlinkcolor" xmlns:p15="http://schemas.microsoft.com/office/powerpoint/2012/main" xmlns:com="http://schemas.openxmlformats.org/drawingml/2006/compatibility" xmlns:pvml="urn:schemas-microsoft-com:office:powerpoint" xmlns:v="urn:schemas-microsoft-com:vml" xmlns:o="urn:schemas-microsoft-com:office:office" xmlns:dgm="http://schemas.openxmlformats.org/drawingml/2006/diagram" xmlns:c="http://schemas.openxmlformats.org/drawingml/2006/chart" xmlns:mv="urn:schemas-microsoft-com:mac:vml" xmlns="">
+    <mc:Fallback xmlns="" xmlns:mv="urn:schemas-microsoft-com:mac:vml" xmlns:c="http://schemas.openxmlformats.org/drawingml/2006/chart" xmlns:dgm="http://schemas.openxmlformats.org/drawingml/2006/diagram" xmlns:o="urn:schemas-microsoft-com:office:office" xmlns:v="urn:schemas-microsoft-com:vml" xmlns:pvml="urn:schemas-microsoft-com:office:powerpoint" xmlns:com="http://schemas.openxmlformats.org/drawingml/2006/compatibility" xmlns:p15="http://schemas.microsoft.com/office/powerpoint/2012/main" xmlns:ahyp="http://schemas.microsoft.com/office/drawing/2018/hyperlinkcolor">
       <p:transition spd="slow">
         <p:fade/>
       </p:transition>
